--- a/Courses/Applied-Programmer/Programming-Basics/01-Въведение-в-програмирането/02.Първа-конзолна-програма.pptx
+++ b/Courses/Applied-Programmer/Programming-Basics/01-Въведение-в-програмирането/02.Първа-конзолна-програма.pptx
@@ -313,7 +313,7 @@
             <a:fld id="{FE5B4EDC-59C0-49C7-8ADA-5A781B329E02}" type="datetimeFigureOut">
               <a:rPr lang="en-US"/>
               <a:pPr/>
-              <a:t>16-Dec-19</a:t>
+              <a:t>09-Nov-20</a:t>
             </a:fld>
             <a:endParaRPr dirty="0"/>
           </a:p>
@@ -611,7 +611,7 @@
             <a:fld id="{F2D8D46A-B586-417D-BFBD-8C8FE0AAF762}" type="datetimeFigureOut">
               <a:rPr lang="en-US" smtClean="0"/>
               <a:pPr/>
-              <a:t>16-Dec-19</a:t>
+              <a:t>09-Nov-20</a:t>
             </a:fld>
             <a:endParaRPr lang="en-US" dirty="0"/>
           </a:p>
@@ -7882,7 +7882,7 @@
         </p:blipFill>
         <p:spPr>
           <a:xfrm>
-            <a:off x="2268693" y="2362200"/>
+            <a:off x="2208212" y="1981200"/>
             <a:ext cx="7483319" cy="3987251"/>
           </a:xfrm>
           <a:prstGeom prst="rect">
@@ -7947,6 +7947,72 @@
                 </a:prstClr>
               </a:solidFill>
             </a:endParaRPr>
+          </a:p>
+        </p:txBody>
+      </p:sp>
+      <p:sp>
+        <p:nvSpPr>
+          <p:cNvPr id="6" name="Текстово поле 5">
+            <a:extLst>
+              <a:ext uri="{FF2B5EF4-FFF2-40B4-BE49-F238E27FC236}">
+                <a16:creationId xmlns:a16="http://schemas.microsoft.com/office/drawing/2014/main" id="{EBAB6A1D-14BC-4142-98B9-53B712B0A9BD}"/>
+              </a:ext>
+            </a:extLst>
+          </p:cNvPr>
+          <p:cNvSpPr txBox="1"/>
+          <p:nvPr/>
+        </p:nvSpPr>
+        <p:spPr>
+          <a:xfrm>
+            <a:off x="436878" y="6092570"/>
+            <a:ext cx="11025985" cy="892552"/>
+          </a:xfrm>
+          <a:prstGeom prst="rect">
+            <a:avLst/>
+          </a:prstGeom>
+          <a:noFill/>
+        </p:spPr>
+        <p:txBody>
+          <a:bodyPr wrap="square" rtlCol="0">
+            <a:spAutoFit/>
+          </a:bodyPr>
+          <a:lstStyle/>
+          <a:p>
+            <a:r>
+              <a:rPr lang="bg-BG" dirty="0"/>
+              <a:t>Тествайте в </a:t>
+            </a:r>
+            <a:r>
+              <a:rPr lang="en-US" dirty="0"/>
+              <a:t>Judge: </a:t>
+            </a:r>
+            <a:r>
+              <a:rPr lang="en-US" b="0" i="0" u="sng" strike="noStrike" baseline="0" dirty="0">
+                <a:solidFill>
+                  <a:srgbClr val="0563C1"/>
+                </a:solidFill>
+                <a:hlinkClick r:id="rId3"/>
+              </a:rPr>
+              <a:t>https://judge.softuni.bg/Contests/2629/</a:t>
+            </a:r>
+            <a:r>
+              <a:rPr lang="bg-BG" b="0" i="0" u="sng" strike="noStrike" baseline="0" dirty="0">
+                <a:solidFill>
+                  <a:srgbClr val="0563C1"/>
+                </a:solidFill>
+                <a:hlinkClick r:id="rId3"/>
+              </a:rPr>
+              <a:t>Първа-конзолна-програма</a:t>
+            </a:r>
+            <a:endParaRPr lang="en-US" b="0" i="0" u="none" strike="noStrike" baseline="0" dirty="0">
+              <a:solidFill>
+                <a:srgbClr val="0563C1"/>
+              </a:solidFill>
+              <a:hlinkClick r:id="rId3"/>
+            </a:endParaRPr>
+          </a:p>
+          <a:p>
+            <a:endParaRPr lang="en-US" sz="2800" dirty="0"/>
           </a:p>
         </p:txBody>
       </p:sp>

--- a/Courses/Applied-Programmer/Programming-Basics/01-Въведение-в-програмирането/02.Първа-конзолна-програма.pptx
+++ b/Courses/Applied-Programmer/Programming-Basics/01-Въведение-в-програмирането/02.Първа-конзолна-програма.pptx
@@ -313,7 +313,7 @@
             <a:fld id="{FE5B4EDC-59C0-49C7-8ADA-5A781B329E02}" type="datetimeFigureOut">
               <a:rPr lang="en-US"/>
               <a:pPr/>
-              <a:t>09-Nov-20</a:t>
+              <a:t>11-Nov-20</a:t>
             </a:fld>
             <a:endParaRPr dirty="0"/>
           </a:p>
@@ -611,7 +611,7 @@
             <a:fld id="{F2D8D46A-B586-417D-BFBD-8C8FE0AAF762}" type="datetimeFigureOut">
               <a:rPr lang="en-US" smtClean="0"/>
               <a:pPr/>
-              <a:t>09-Nov-20</a:t>
+              <a:t>11-Nov-20</a:t>
             </a:fld>
             <a:endParaRPr lang="en-US" dirty="0"/>
           </a:p>
@@ -3897,7 +3897,7 @@
         </p:blipFill>
         <p:spPr bwMode="auto">
           <a:xfrm>
-            <a:off x="745783" y="4191835"/>
+            <a:off x="823862" y="4398587"/>
             <a:ext cx="2175525" cy="761165"/>
           </a:xfrm>
           <a:prstGeom prst="roundRect">
@@ -4113,7 +4113,7 @@
         </p:nvSpPr>
         <p:spPr>
           <a:xfrm>
-            <a:off x="760413" y="4998598"/>
+            <a:off x="771402" y="5159752"/>
             <a:ext cx="3187614" cy="444343"/>
           </a:xfrm>
         </p:spPr>
@@ -4145,7 +4145,7 @@
         </p:nvSpPr>
         <p:spPr>
           <a:xfrm>
-            <a:off x="760412" y="5403725"/>
+            <a:off x="760414" y="5520935"/>
             <a:ext cx="3187613" cy="382788"/>
           </a:xfrm>
         </p:spPr>
@@ -4173,7 +4173,7 @@
         </p:nvSpPr>
         <p:spPr>
           <a:xfrm>
-            <a:off x="760412" y="5690893"/>
+            <a:off x="760412" y="5866769"/>
             <a:ext cx="3810000" cy="458462"/>
           </a:xfrm>
         </p:spPr>
@@ -4188,6 +4188,138 @@
               <a:t>https://it-kariera.mon.bg/e-learning/</a:t>
             </a:r>
             <a:endParaRPr lang="en-US" sz="1800" dirty="0"/>
+          </a:p>
+        </p:txBody>
+      </p:sp>
+      <p:sp>
+        <p:nvSpPr>
+          <p:cNvPr id="11" name="Текстово поле 1">
+            <a:extLst>
+              <a:ext uri="{FF2B5EF4-FFF2-40B4-BE49-F238E27FC236}">
+                <a16:creationId xmlns:a16="http://schemas.microsoft.com/office/drawing/2014/main" id="{B398007E-9BC4-479A-87BF-1B270134F51F}"/>
+              </a:ext>
+            </a:extLst>
+          </p:cNvPr>
+          <p:cNvSpPr txBox="1"/>
+          <p:nvPr/>
+        </p:nvSpPr>
+        <p:spPr>
+          <a:xfrm>
+            <a:off x="684212" y="6355454"/>
+            <a:ext cx="11216029" cy="369332"/>
+          </a:xfrm>
+          <a:prstGeom prst="rect">
+            <a:avLst/>
+          </a:prstGeom>
+          <a:noFill/>
+        </p:spPr>
+        <p:txBody>
+          <a:bodyPr wrap="square" rtlCol="0">
+            <a:spAutoFit/>
+          </a:bodyPr>
+          <a:lstStyle>
+            <a:defPPr>
+              <a:defRPr lang="en-US"/>
+            </a:defPPr>
+            <a:lvl1pPr marL="0" algn="l" defTabSz="1218987" rtl="0" eaLnBrk="1" latinLnBrk="0" hangingPunct="1">
+              <a:defRPr sz="2400" kern="1200">
+                <a:solidFill>
+                  <a:schemeClr val="tx1"/>
+                </a:solidFill>
+                <a:latin typeface="+mn-lt"/>
+                <a:ea typeface="+mn-ea"/>
+                <a:cs typeface="+mn-cs"/>
+              </a:defRPr>
+            </a:lvl1pPr>
+            <a:lvl2pPr marL="609493" algn="l" defTabSz="1218987" rtl="0" eaLnBrk="1" latinLnBrk="0" hangingPunct="1">
+              <a:defRPr sz="2400" kern="1200">
+                <a:solidFill>
+                  <a:schemeClr val="tx1"/>
+                </a:solidFill>
+                <a:latin typeface="+mn-lt"/>
+                <a:ea typeface="+mn-ea"/>
+                <a:cs typeface="+mn-cs"/>
+              </a:defRPr>
+            </a:lvl2pPr>
+            <a:lvl3pPr marL="1218987" algn="l" defTabSz="1218987" rtl="0" eaLnBrk="1" latinLnBrk="0" hangingPunct="1">
+              <a:defRPr sz="2400" kern="1200">
+                <a:solidFill>
+                  <a:schemeClr val="tx1"/>
+                </a:solidFill>
+                <a:latin typeface="+mn-lt"/>
+                <a:ea typeface="+mn-ea"/>
+                <a:cs typeface="+mn-cs"/>
+              </a:defRPr>
+            </a:lvl3pPr>
+            <a:lvl4pPr marL="1828480" algn="l" defTabSz="1218987" rtl="0" eaLnBrk="1" latinLnBrk="0" hangingPunct="1">
+              <a:defRPr sz="2400" kern="1200">
+                <a:solidFill>
+                  <a:schemeClr val="tx1"/>
+                </a:solidFill>
+                <a:latin typeface="+mn-lt"/>
+                <a:ea typeface="+mn-ea"/>
+                <a:cs typeface="+mn-cs"/>
+              </a:defRPr>
+            </a:lvl4pPr>
+            <a:lvl5pPr marL="2437973" algn="l" defTabSz="1218987" rtl="0" eaLnBrk="1" latinLnBrk="0" hangingPunct="1">
+              <a:defRPr sz="2400" kern="1200">
+                <a:solidFill>
+                  <a:schemeClr val="tx1"/>
+                </a:solidFill>
+                <a:latin typeface="+mn-lt"/>
+                <a:ea typeface="+mn-ea"/>
+                <a:cs typeface="+mn-cs"/>
+              </a:defRPr>
+            </a:lvl5pPr>
+            <a:lvl6pPr marL="3047467" algn="l" defTabSz="1218987" rtl="0" eaLnBrk="1" latinLnBrk="0" hangingPunct="1">
+              <a:defRPr sz="2400" kern="1200">
+                <a:solidFill>
+                  <a:schemeClr val="tx1"/>
+                </a:solidFill>
+                <a:latin typeface="+mn-lt"/>
+                <a:ea typeface="+mn-ea"/>
+                <a:cs typeface="+mn-cs"/>
+              </a:defRPr>
+            </a:lvl6pPr>
+            <a:lvl7pPr marL="3656960" algn="l" defTabSz="1218987" rtl="0" eaLnBrk="1" latinLnBrk="0" hangingPunct="1">
+              <a:defRPr sz="2400" kern="1200">
+                <a:solidFill>
+                  <a:schemeClr val="tx1"/>
+                </a:solidFill>
+                <a:latin typeface="+mn-lt"/>
+                <a:ea typeface="+mn-ea"/>
+                <a:cs typeface="+mn-cs"/>
+              </a:defRPr>
+            </a:lvl7pPr>
+            <a:lvl8pPr marL="4266453" algn="l" defTabSz="1218987" rtl="0" eaLnBrk="1" latinLnBrk="0" hangingPunct="1">
+              <a:defRPr sz="2400" kern="1200">
+                <a:solidFill>
+                  <a:schemeClr val="tx1"/>
+                </a:solidFill>
+                <a:latin typeface="+mn-lt"/>
+                <a:ea typeface="+mn-ea"/>
+                <a:cs typeface="+mn-cs"/>
+              </a:defRPr>
+            </a:lvl8pPr>
+            <a:lvl9pPr marL="4875947" algn="l" defTabSz="1218987" rtl="0" eaLnBrk="1" latinLnBrk="0" hangingPunct="1">
+              <a:defRPr sz="2400" kern="1200">
+                <a:solidFill>
+                  <a:schemeClr val="tx1"/>
+                </a:solidFill>
+                <a:latin typeface="+mn-lt"/>
+                <a:ea typeface="+mn-ea"/>
+                <a:cs typeface="+mn-cs"/>
+              </a:defRPr>
+            </a:lvl9pPr>
+          </a:lstStyle>
+          <a:p>
+            <a:r>
+              <a:rPr lang="en-US" sz="1800" b="1" dirty="0">
+                <a:hlinkClick r:id="rId8"/>
+              </a:rPr>
+              <a:t>https://github.com/BG-IT-Edu/School-Programming/tree/main/Courses/Applied-Programmer/Programming-Basics</a:t>
+            </a:r>
+            <a:endParaRPr lang="bg-BG" sz="1800" b="1" dirty="0"/>
           </a:p>
         </p:txBody>
       </p:sp>
@@ -4614,6 +4746,318 @@
   <p:clrMapOvr>
     <a:masterClrMapping/>
   </p:clrMapOvr>
+  <p:timing>
+    <p:tnLst>
+      <p:par>
+        <p:cTn id="1" dur="indefinite" restart="never" nodeType="tmRoot">
+          <p:childTnLst>
+            <p:seq concurrent="1" nextAc="seek">
+              <p:cTn id="2" dur="indefinite" nodeType="mainSeq">
+                <p:childTnLst>
+                  <p:par>
+                    <p:cTn id="3" fill="hold">
+                      <p:stCondLst>
+                        <p:cond delay="indefinite"/>
+                      </p:stCondLst>
+                      <p:childTnLst>
+                        <p:par>
+                          <p:cTn id="4" fill="hold">
+                            <p:stCondLst>
+                              <p:cond delay="0"/>
+                            </p:stCondLst>
+                            <p:childTnLst>
+                              <p:par>
+                                <p:cTn id="5" presetID="1" presetClass="entr" presetSubtype="0" fill="hold" nodeType="clickEffect">
+                                  <p:stCondLst>
+                                    <p:cond delay="0"/>
+                                  </p:stCondLst>
+                                  <p:childTnLst>
+                                    <p:set>
+                                      <p:cBhvr>
+                                        <p:cTn id="6" dur="1" fill="hold">
+                                          <p:stCondLst>
+                                            <p:cond delay="0"/>
+                                          </p:stCondLst>
+                                        </p:cTn>
+                                        <p:tgtEl>
+                                          <p:spTgt spid="3">
+                                            <p:txEl>
+                                              <p:pRg st="2" end="2"/>
+                                            </p:txEl>
+                                          </p:spTgt>
+                                        </p:tgtEl>
+                                        <p:attrNameLst>
+                                          <p:attrName>style.visibility</p:attrName>
+                                        </p:attrNameLst>
+                                      </p:cBhvr>
+                                      <p:to>
+                                        <p:strVal val="visible"/>
+                                      </p:to>
+                                    </p:set>
+                                  </p:childTnLst>
+                                </p:cTn>
+                              </p:par>
+                              <p:par>
+                                <p:cTn id="7" presetID="1" presetClass="entr" presetSubtype="0" fill="hold" nodeType="withEffect">
+                                  <p:stCondLst>
+                                    <p:cond delay="0"/>
+                                  </p:stCondLst>
+                                  <p:childTnLst>
+                                    <p:set>
+                                      <p:cBhvr>
+                                        <p:cTn id="8" dur="1" fill="hold">
+                                          <p:stCondLst>
+                                            <p:cond delay="0"/>
+                                          </p:stCondLst>
+                                        </p:cTn>
+                                        <p:tgtEl>
+                                          <p:spTgt spid="7"/>
+                                        </p:tgtEl>
+                                        <p:attrNameLst>
+                                          <p:attrName>style.visibility</p:attrName>
+                                        </p:attrNameLst>
+                                      </p:cBhvr>
+                                      <p:to>
+                                        <p:strVal val="visible"/>
+                                      </p:to>
+                                    </p:set>
+                                  </p:childTnLst>
+                                </p:cTn>
+                              </p:par>
+                              <p:par>
+                                <p:cTn id="9" presetID="1" presetClass="entr" presetSubtype="0" fill="hold" nodeType="withEffect">
+                                  <p:stCondLst>
+                                    <p:cond delay="0"/>
+                                  </p:stCondLst>
+                                  <p:childTnLst>
+                                    <p:set>
+                                      <p:cBhvr>
+                                        <p:cTn id="10" dur="1" fill="hold">
+                                          <p:stCondLst>
+                                            <p:cond delay="0"/>
+                                          </p:stCondLst>
+                                        </p:cTn>
+                                        <p:tgtEl>
+                                          <p:spTgt spid="8"/>
+                                        </p:tgtEl>
+                                        <p:attrNameLst>
+                                          <p:attrName>style.visibility</p:attrName>
+                                        </p:attrNameLst>
+                                      </p:cBhvr>
+                                      <p:to>
+                                        <p:strVal val="visible"/>
+                                      </p:to>
+                                    </p:set>
+                                  </p:childTnLst>
+                                </p:cTn>
+                              </p:par>
+                            </p:childTnLst>
+                          </p:cTn>
+                        </p:par>
+                      </p:childTnLst>
+                    </p:cTn>
+                  </p:par>
+                  <p:par>
+                    <p:cTn id="11" fill="hold">
+                      <p:stCondLst>
+                        <p:cond delay="indefinite"/>
+                      </p:stCondLst>
+                      <p:childTnLst>
+                        <p:par>
+                          <p:cTn id="12" fill="hold">
+                            <p:stCondLst>
+                              <p:cond delay="0"/>
+                            </p:stCondLst>
+                            <p:childTnLst>
+                              <p:par>
+                                <p:cTn id="13" presetID="1" presetClass="entr" presetSubtype="0" fill="hold" nodeType="clickEffect">
+                                  <p:stCondLst>
+                                    <p:cond delay="0"/>
+                                  </p:stCondLst>
+                                  <p:childTnLst>
+                                    <p:set>
+                                      <p:cBhvr>
+                                        <p:cTn id="14" dur="1" fill="hold">
+                                          <p:stCondLst>
+                                            <p:cond delay="0"/>
+                                          </p:stCondLst>
+                                        </p:cTn>
+                                        <p:tgtEl>
+                                          <p:spTgt spid="3">
+                                            <p:txEl>
+                                              <p:pRg st="4" end="4"/>
+                                            </p:txEl>
+                                          </p:spTgt>
+                                        </p:tgtEl>
+                                        <p:attrNameLst>
+                                          <p:attrName>style.visibility</p:attrName>
+                                        </p:attrNameLst>
+                                      </p:cBhvr>
+                                      <p:to>
+                                        <p:strVal val="visible"/>
+                                      </p:to>
+                                    </p:set>
+                                  </p:childTnLst>
+                                </p:cTn>
+                              </p:par>
+                              <p:par>
+                                <p:cTn id="15" presetID="1" presetClass="entr" presetSubtype="0" fill="hold" nodeType="withEffect">
+                                  <p:stCondLst>
+                                    <p:cond delay="0"/>
+                                  </p:stCondLst>
+                                  <p:childTnLst>
+                                    <p:set>
+                                      <p:cBhvr>
+                                        <p:cTn id="16" dur="1" fill="hold">
+                                          <p:stCondLst>
+                                            <p:cond delay="0"/>
+                                          </p:stCondLst>
+                                        </p:cTn>
+                                        <p:tgtEl>
+                                          <p:spTgt spid="9"/>
+                                        </p:tgtEl>
+                                        <p:attrNameLst>
+                                          <p:attrName>style.visibility</p:attrName>
+                                        </p:attrNameLst>
+                                      </p:cBhvr>
+                                      <p:to>
+                                        <p:strVal val="visible"/>
+                                      </p:to>
+                                    </p:set>
+                                  </p:childTnLst>
+                                </p:cTn>
+                              </p:par>
+                            </p:childTnLst>
+                          </p:cTn>
+                        </p:par>
+                      </p:childTnLst>
+                    </p:cTn>
+                  </p:par>
+                  <p:par>
+                    <p:cTn id="17" fill="hold">
+                      <p:stCondLst>
+                        <p:cond delay="indefinite"/>
+                      </p:stCondLst>
+                      <p:childTnLst>
+                        <p:par>
+                          <p:cTn id="18" fill="hold">
+                            <p:stCondLst>
+                              <p:cond delay="0"/>
+                            </p:stCondLst>
+                            <p:childTnLst>
+                              <p:par>
+                                <p:cTn id="19" presetID="1" presetClass="entr" presetSubtype="0" fill="hold" nodeType="clickEffect">
+                                  <p:stCondLst>
+                                    <p:cond delay="0"/>
+                                  </p:stCondLst>
+                                  <p:childTnLst>
+                                    <p:set>
+                                      <p:cBhvr>
+                                        <p:cTn id="20" dur="1" fill="hold">
+                                          <p:stCondLst>
+                                            <p:cond delay="0"/>
+                                          </p:stCondLst>
+                                        </p:cTn>
+                                        <p:tgtEl>
+                                          <p:spTgt spid="3">
+                                            <p:txEl>
+                                              <p:pRg st="6" end="6"/>
+                                            </p:txEl>
+                                          </p:spTgt>
+                                        </p:tgtEl>
+                                        <p:attrNameLst>
+                                          <p:attrName>style.visibility</p:attrName>
+                                        </p:attrNameLst>
+                                      </p:cBhvr>
+                                      <p:to>
+                                        <p:strVal val="visible"/>
+                                      </p:to>
+                                    </p:set>
+                                  </p:childTnLst>
+                                </p:cTn>
+                              </p:par>
+                              <p:par>
+                                <p:cTn id="21" presetID="1" presetClass="entr" presetSubtype="0" fill="hold" nodeType="withEffect">
+                                  <p:stCondLst>
+                                    <p:cond delay="0"/>
+                                  </p:stCondLst>
+                                  <p:childTnLst>
+                                    <p:set>
+                                      <p:cBhvr>
+                                        <p:cTn id="22" dur="1" fill="hold">
+                                          <p:stCondLst>
+                                            <p:cond delay="0"/>
+                                          </p:stCondLst>
+                                        </p:cTn>
+                                        <p:tgtEl>
+                                          <p:spTgt spid="10"/>
+                                        </p:tgtEl>
+                                        <p:attrNameLst>
+                                          <p:attrName>style.visibility</p:attrName>
+                                        </p:attrNameLst>
+                                      </p:cBhvr>
+                                      <p:to>
+                                        <p:strVal val="visible"/>
+                                      </p:to>
+                                    </p:set>
+                                  </p:childTnLst>
+                                </p:cTn>
+                              </p:par>
+                              <p:par>
+                                <p:cTn id="23" presetID="1" presetClass="entr" presetSubtype="0" fill="hold" nodeType="withEffect">
+                                  <p:stCondLst>
+                                    <p:cond delay="0"/>
+                                  </p:stCondLst>
+                                  <p:childTnLst>
+                                    <p:set>
+                                      <p:cBhvr>
+                                        <p:cTn id="24" dur="1" fill="hold">
+                                          <p:stCondLst>
+                                            <p:cond delay="0"/>
+                                          </p:stCondLst>
+                                        </p:cTn>
+                                        <p:tgtEl>
+                                          <p:spTgt spid="11"/>
+                                        </p:tgtEl>
+                                        <p:attrNameLst>
+                                          <p:attrName>style.visibility</p:attrName>
+                                        </p:attrNameLst>
+                                      </p:cBhvr>
+                                      <p:to>
+                                        <p:strVal val="visible"/>
+                                      </p:to>
+                                    </p:set>
+                                  </p:childTnLst>
+                                </p:cTn>
+                              </p:par>
+                            </p:childTnLst>
+                          </p:cTn>
+                        </p:par>
+                      </p:childTnLst>
+                    </p:cTn>
+                  </p:par>
+                </p:childTnLst>
+              </p:cTn>
+              <p:prevCondLst>
+                <p:cond evt="onPrev" delay="0">
+                  <p:tgtEl>
+                    <p:sldTgt/>
+                  </p:tgtEl>
+                </p:cond>
+              </p:prevCondLst>
+              <p:nextCondLst>
+                <p:cond evt="onNext" delay="0">
+                  <p:tgtEl>
+                    <p:sldTgt/>
+                  </p:tgtEl>
+                </p:cond>
+              </p:nextCondLst>
+            </p:seq>
+          </p:childTnLst>
+        </p:cTn>
+      </p:par>
+    </p:tnLst>
+  </p:timing>
 </p:sld>
 </file>
 
@@ -5544,6 +5988,164 @@
   <p:clrMapOvr>
     <a:masterClrMapping/>
   </p:clrMapOvr>
+  <p:timing>
+    <p:tnLst>
+      <p:par>
+        <p:cTn id="1" dur="indefinite" restart="never" nodeType="tmRoot">
+          <p:childTnLst>
+            <p:seq concurrent="1" nextAc="seek">
+              <p:cTn id="2" dur="indefinite" nodeType="mainSeq">
+                <p:childTnLst>
+                  <p:par>
+                    <p:cTn id="3" fill="hold">
+                      <p:stCondLst>
+                        <p:cond delay="indefinite"/>
+                      </p:stCondLst>
+                      <p:childTnLst>
+                        <p:par>
+                          <p:cTn id="4" fill="hold">
+                            <p:stCondLst>
+                              <p:cond delay="0"/>
+                            </p:stCondLst>
+                            <p:childTnLst>
+                              <p:par>
+                                <p:cTn id="5" presetID="1" presetClass="entr" presetSubtype="0" fill="hold" nodeType="clickEffect">
+                                  <p:stCondLst>
+                                    <p:cond delay="0"/>
+                                  </p:stCondLst>
+                                  <p:childTnLst>
+                                    <p:set>
+                                      <p:cBhvr>
+                                        <p:cTn id="6" dur="1" fill="hold">
+                                          <p:stCondLst>
+                                            <p:cond delay="0"/>
+                                          </p:stCondLst>
+                                        </p:cTn>
+                                        <p:tgtEl>
+                                          <p:spTgt spid="5">
+                                            <p:txEl>
+                                              <p:pRg st="0" end="0"/>
+                                            </p:txEl>
+                                          </p:spTgt>
+                                        </p:tgtEl>
+                                        <p:attrNameLst>
+                                          <p:attrName>style.visibility</p:attrName>
+                                        </p:attrNameLst>
+                                      </p:cBhvr>
+                                      <p:to>
+                                        <p:strVal val="visible"/>
+                                      </p:to>
+                                    </p:set>
+                                  </p:childTnLst>
+                                </p:cTn>
+                              </p:par>
+                              <p:par>
+                                <p:cTn id="7" presetID="1" presetClass="entr" presetSubtype="0" fill="hold" grpId="0" nodeType="withEffect">
+                                  <p:stCondLst>
+                                    <p:cond delay="0"/>
+                                  </p:stCondLst>
+                                  <p:childTnLst>
+                                    <p:set>
+                                      <p:cBhvr>
+                                        <p:cTn id="8" dur="1" fill="hold">
+                                          <p:stCondLst>
+                                            <p:cond delay="0"/>
+                                          </p:stCondLst>
+                                        </p:cTn>
+                                        <p:tgtEl>
+                                          <p:spTgt spid="8"/>
+                                        </p:tgtEl>
+                                        <p:attrNameLst>
+                                          <p:attrName>style.visibility</p:attrName>
+                                        </p:attrNameLst>
+                                      </p:cBhvr>
+                                      <p:to>
+                                        <p:strVal val="visible"/>
+                                      </p:to>
+                                    </p:set>
+                                  </p:childTnLst>
+                                </p:cTn>
+                              </p:par>
+                            </p:childTnLst>
+                          </p:cTn>
+                        </p:par>
+                      </p:childTnLst>
+                    </p:cTn>
+                  </p:par>
+                  <p:par>
+                    <p:cTn id="9" fill="hold">
+                      <p:stCondLst>
+                        <p:cond delay="indefinite"/>
+                      </p:stCondLst>
+                      <p:childTnLst>
+                        <p:par>
+                          <p:cTn id="10" fill="hold">
+                            <p:stCondLst>
+                              <p:cond delay="0"/>
+                            </p:stCondLst>
+                            <p:childTnLst>
+                              <p:par>
+                                <p:cTn id="11" presetID="1" presetClass="entr" presetSubtype="0" fill="hold" nodeType="clickEffect">
+                                  <p:stCondLst>
+                                    <p:cond delay="0"/>
+                                  </p:stCondLst>
+                                  <p:childTnLst>
+                                    <p:set>
+                                      <p:cBhvr>
+                                        <p:cTn id="12" dur="1" fill="hold">
+                                          <p:stCondLst>
+                                            <p:cond delay="0"/>
+                                          </p:stCondLst>
+                                        </p:cTn>
+                                        <p:tgtEl>
+                                          <p:spTgt spid="5">
+                                            <p:txEl>
+                                              <p:pRg st="4" end="4"/>
+                                            </p:txEl>
+                                          </p:spTgt>
+                                        </p:tgtEl>
+                                        <p:attrNameLst>
+                                          <p:attrName>style.visibility</p:attrName>
+                                        </p:attrNameLst>
+                                      </p:cBhvr>
+                                      <p:to>
+                                        <p:strVal val="visible"/>
+                                      </p:to>
+                                    </p:set>
+                                  </p:childTnLst>
+                                </p:cTn>
+                              </p:par>
+                            </p:childTnLst>
+                          </p:cTn>
+                        </p:par>
+                      </p:childTnLst>
+                    </p:cTn>
+                  </p:par>
+                </p:childTnLst>
+              </p:cTn>
+              <p:prevCondLst>
+                <p:cond evt="onPrev" delay="0">
+                  <p:tgtEl>
+                    <p:sldTgt/>
+                  </p:tgtEl>
+                </p:cond>
+              </p:prevCondLst>
+              <p:nextCondLst>
+                <p:cond evt="onNext" delay="0">
+                  <p:tgtEl>
+                    <p:sldTgt/>
+                  </p:tgtEl>
+                </p:cond>
+              </p:nextCondLst>
+            </p:seq>
+          </p:childTnLst>
+        </p:cTn>
+      </p:par>
+    </p:tnLst>
+    <p:bldLst>
+      <p:bldP spid="8" grpId="0" animBg="1"/>
+    </p:bldLst>
+  </p:timing>
 </p:sld>
 </file>
 
@@ -5589,31 +6191,133 @@
       </p:sp>
       <p:sp>
         <p:nvSpPr>
-          <p:cNvPr id="2" name="Text Placeholder 1"/>
-          <p:cNvSpPr>
-            <a:spLocks noGrp="1"/>
-          </p:cNvSpPr>
-          <p:nvPr>
-            <p:ph type="body" sz="quarter" idx="10"/>
-          </p:nvPr>
+          <p:cNvPr id="6" name="Текстово поле 1">
+            <a:extLst>
+              <a:ext uri="{FF2B5EF4-FFF2-40B4-BE49-F238E27FC236}">
+                <a16:creationId xmlns:a16="http://schemas.microsoft.com/office/drawing/2014/main" id="{B398007E-9BC4-479A-87BF-1B270134F51F}"/>
+              </a:ext>
+            </a:extLst>
+          </p:cNvPr>
+          <p:cNvSpPr txBox="1"/>
+          <p:nvPr/>
         </p:nvSpPr>
         <p:spPr>
           <a:xfrm>
-            <a:off x="1529384" y="6400802"/>
-            <a:ext cx="10482604" cy="351754"/>
+            <a:off x="946055" y="6430572"/>
+            <a:ext cx="11216029" cy="369332"/>
           </a:xfrm>
+          <a:prstGeom prst="rect">
+            <a:avLst/>
+          </a:prstGeom>
+          <a:noFill/>
         </p:spPr>
         <p:txBody>
-          <a:bodyPr/>
-          <a:lstStyle/>
-          <a:p>
-            <a:r>
-              <a:rPr lang="en-US">
+          <a:bodyPr wrap="square" rtlCol="0">
+            <a:spAutoFit/>
+          </a:bodyPr>
+          <a:lstStyle>
+            <a:defPPr>
+              <a:defRPr lang="en-US"/>
+            </a:defPPr>
+            <a:lvl1pPr marL="0" algn="l" defTabSz="1218987" rtl="0" eaLnBrk="1" latinLnBrk="0" hangingPunct="1">
+              <a:defRPr sz="2400" kern="1200">
+                <a:solidFill>
+                  <a:schemeClr val="tx1"/>
+                </a:solidFill>
+                <a:latin typeface="+mn-lt"/>
+                <a:ea typeface="+mn-ea"/>
+                <a:cs typeface="+mn-cs"/>
+              </a:defRPr>
+            </a:lvl1pPr>
+            <a:lvl2pPr marL="609493" algn="l" defTabSz="1218987" rtl="0" eaLnBrk="1" latinLnBrk="0" hangingPunct="1">
+              <a:defRPr sz="2400" kern="1200">
+                <a:solidFill>
+                  <a:schemeClr val="tx1"/>
+                </a:solidFill>
+                <a:latin typeface="+mn-lt"/>
+                <a:ea typeface="+mn-ea"/>
+                <a:cs typeface="+mn-cs"/>
+              </a:defRPr>
+            </a:lvl2pPr>
+            <a:lvl3pPr marL="1218987" algn="l" defTabSz="1218987" rtl="0" eaLnBrk="1" latinLnBrk="0" hangingPunct="1">
+              <a:defRPr sz="2400" kern="1200">
+                <a:solidFill>
+                  <a:schemeClr val="tx1"/>
+                </a:solidFill>
+                <a:latin typeface="+mn-lt"/>
+                <a:ea typeface="+mn-ea"/>
+                <a:cs typeface="+mn-cs"/>
+              </a:defRPr>
+            </a:lvl3pPr>
+            <a:lvl4pPr marL="1828480" algn="l" defTabSz="1218987" rtl="0" eaLnBrk="1" latinLnBrk="0" hangingPunct="1">
+              <a:defRPr sz="2400" kern="1200">
+                <a:solidFill>
+                  <a:schemeClr val="tx1"/>
+                </a:solidFill>
+                <a:latin typeface="+mn-lt"/>
+                <a:ea typeface="+mn-ea"/>
+                <a:cs typeface="+mn-cs"/>
+              </a:defRPr>
+            </a:lvl4pPr>
+            <a:lvl5pPr marL="2437973" algn="l" defTabSz="1218987" rtl="0" eaLnBrk="1" latinLnBrk="0" hangingPunct="1">
+              <a:defRPr sz="2400" kern="1200">
+                <a:solidFill>
+                  <a:schemeClr val="tx1"/>
+                </a:solidFill>
+                <a:latin typeface="+mn-lt"/>
+                <a:ea typeface="+mn-ea"/>
+                <a:cs typeface="+mn-cs"/>
+              </a:defRPr>
+            </a:lvl5pPr>
+            <a:lvl6pPr marL="3047467" algn="l" defTabSz="1218987" rtl="0" eaLnBrk="1" latinLnBrk="0" hangingPunct="1">
+              <a:defRPr sz="2400" kern="1200">
+                <a:solidFill>
+                  <a:schemeClr val="tx1"/>
+                </a:solidFill>
+                <a:latin typeface="+mn-lt"/>
+                <a:ea typeface="+mn-ea"/>
+                <a:cs typeface="+mn-cs"/>
+              </a:defRPr>
+            </a:lvl6pPr>
+            <a:lvl7pPr marL="3656960" algn="l" defTabSz="1218987" rtl="0" eaLnBrk="1" latinLnBrk="0" hangingPunct="1">
+              <a:defRPr sz="2400" kern="1200">
+                <a:solidFill>
+                  <a:schemeClr val="tx1"/>
+                </a:solidFill>
+                <a:latin typeface="+mn-lt"/>
+                <a:ea typeface="+mn-ea"/>
+                <a:cs typeface="+mn-cs"/>
+              </a:defRPr>
+            </a:lvl7pPr>
+            <a:lvl8pPr marL="4266453" algn="l" defTabSz="1218987" rtl="0" eaLnBrk="1" latinLnBrk="0" hangingPunct="1">
+              <a:defRPr sz="2400" kern="1200">
+                <a:solidFill>
+                  <a:schemeClr val="tx1"/>
+                </a:solidFill>
+                <a:latin typeface="+mn-lt"/>
+                <a:ea typeface="+mn-ea"/>
+                <a:cs typeface="+mn-cs"/>
+              </a:defRPr>
+            </a:lvl8pPr>
+            <a:lvl9pPr marL="4875947" algn="l" defTabSz="1218987" rtl="0" eaLnBrk="1" latinLnBrk="0" hangingPunct="1">
+              <a:defRPr sz="2400" kern="1200">
+                <a:solidFill>
+                  <a:schemeClr val="tx1"/>
+                </a:solidFill>
+                <a:latin typeface="+mn-lt"/>
+                <a:ea typeface="+mn-ea"/>
+                <a:cs typeface="+mn-cs"/>
+              </a:defRPr>
+            </a:lvl9pPr>
+          </a:lstStyle>
+          <a:p>
+            <a:r>
+              <a:rPr lang="en-US" sz="1800" b="1" dirty="0">
                 <a:hlinkClick r:id="rId3"/>
               </a:rPr>
-              <a:t>https://it-kariera.mon.bg/e-learning/</a:t>
-            </a:r>
-            <a:endParaRPr lang="en-US"/>
+              <a:t>https://github.com/BG-IT-Edu/School-Programming/tree/main/Courses/Applied-Programmer/Programming-Basics</a:t>
+            </a:r>
+            <a:endParaRPr lang="bg-BG" sz="1800" b="1" dirty="0"/>
           </a:p>
         </p:txBody>
       </p:sp>
@@ -6219,7 +6923,7 @@
             </a:r>
             <a:r>
               <a:rPr lang="en-US" dirty="0"/>
-              <a:t>judge </a:t>
+              <a:t>Judge </a:t>
             </a:r>
             <a:r>
               <a:rPr lang="bg-BG" dirty="0"/>
@@ -6359,6 +7063,281 @@
   <p:clrMapOvr>
     <a:masterClrMapping/>
   </p:clrMapOvr>
+  <p:timing>
+    <p:tnLst>
+      <p:par>
+        <p:cTn id="1" dur="indefinite" restart="never" nodeType="tmRoot">
+          <p:childTnLst>
+            <p:seq concurrent="1" nextAc="seek">
+              <p:cTn id="2" dur="indefinite" nodeType="mainSeq">
+                <p:childTnLst>
+                  <p:par>
+                    <p:cTn id="3" fill="hold">
+                      <p:stCondLst>
+                        <p:cond delay="indefinite"/>
+                      </p:stCondLst>
+                      <p:childTnLst>
+                        <p:par>
+                          <p:cTn id="4" fill="hold">
+                            <p:stCondLst>
+                              <p:cond delay="0"/>
+                            </p:stCondLst>
+                            <p:childTnLst>
+                              <p:par>
+                                <p:cTn id="5" presetID="1" presetClass="entr" presetSubtype="0" fill="hold" nodeType="clickEffect">
+                                  <p:stCondLst>
+                                    <p:cond delay="0"/>
+                                  </p:stCondLst>
+                                  <p:childTnLst>
+                                    <p:set>
+                                      <p:cBhvr>
+                                        <p:cTn id="6" dur="1" fill="hold">
+                                          <p:stCondLst>
+                                            <p:cond delay="0"/>
+                                          </p:stCondLst>
+                                        </p:cTn>
+                                        <p:tgtEl>
+                                          <p:spTgt spid="444419">
+                                            <p:txEl>
+                                              <p:pRg st="0" end="0"/>
+                                            </p:txEl>
+                                          </p:spTgt>
+                                        </p:tgtEl>
+                                        <p:attrNameLst>
+                                          <p:attrName>style.visibility</p:attrName>
+                                        </p:attrNameLst>
+                                      </p:cBhvr>
+                                      <p:to>
+                                        <p:strVal val="visible"/>
+                                      </p:to>
+                                    </p:set>
+                                  </p:childTnLst>
+                                </p:cTn>
+                              </p:par>
+                            </p:childTnLst>
+                          </p:cTn>
+                        </p:par>
+                      </p:childTnLst>
+                    </p:cTn>
+                  </p:par>
+                  <p:par>
+                    <p:cTn id="7" fill="hold">
+                      <p:stCondLst>
+                        <p:cond delay="indefinite"/>
+                      </p:stCondLst>
+                      <p:childTnLst>
+                        <p:par>
+                          <p:cTn id="8" fill="hold">
+                            <p:stCondLst>
+                              <p:cond delay="0"/>
+                            </p:stCondLst>
+                            <p:childTnLst>
+                              <p:par>
+                                <p:cTn id="9" presetID="1" presetClass="entr" presetSubtype="0" fill="hold" nodeType="clickEffect">
+                                  <p:stCondLst>
+                                    <p:cond delay="0"/>
+                                  </p:stCondLst>
+                                  <p:childTnLst>
+                                    <p:set>
+                                      <p:cBhvr>
+                                        <p:cTn id="10" dur="1" fill="hold">
+                                          <p:stCondLst>
+                                            <p:cond delay="0"/>
+                                          </p:stCondLst>
+                                        </p:cTn>
+                                        <p:tgtEl>
+                                          <p:spTgt spid="444419">
+                                            <p:txEl>
+                                              <p:pRg st="1" end="1"/>
+                                            </p:txEl>
+                                          </p:spTgt>
+                                        </p:tgtEl>
+                                        <p:attrNameLst>
+                                          <p:attrName>style.visibility</p:attrName>
+                                        </p:attrNameLst>
+                                      </p:cBhvr>
+                                      <p:to>
+                                        <p:strVal val="visible"/>
+                                      </p:to>
+                                    </p:set>
+                                  </p:childTnLst>
+                                </p:cTn>
+                              </p:par>
+                            </p:childTnLst>
+                          </p:cTn>
+                        </p:par>
+                      </p:childTnLst>
+                    </p:cTn>
+                  </p:par>
+                  <p:par>
+                    <p:cTn id="11" fill="hold">
+                      <p:stCondLst>
+                        <p:cond delay="indefinite"/>
+                      </p:stCondLst>
+                      <p:childTnLst>
+                        <p:par>
+                          <p:cTn id="12" fill="hold">
+                            <p:stCondLst>
+                              <p:cond delay="0"/>
+                            </p:stCondLst>
+                            <p:childTnLst>
+                              <p:par>
+                                <p:cTn id="13" presetID="1" presetClass="entr" presetSubtype="0" fill="hold" nodeType="clickEffect">
+                                  <p:stCondLst>
+                                    <p:cond delay="0"/>
+                                  </p:stCondLst>
+                                  <p:childTnLst>
+                                    <p:set>
+                                      <p:cBhvr>
+                                        <p:cTn id="14" dur="1" fill="hold">
+                                          <p:stCondLst>
+                                            <p:cond delay="0"/>
+                                          </p:stCondLst>
+                                        </p:cTn>
+                                        <p:tgtEl>
+                                          <p:spTgt spid="444419">
+                                            <p:txEl>
+                                              <p:pRg st="2" end="2"/>
+                                            </p:txEl>
+                                          </p:spTgt>
+                                        </p:tgtEl>
+                                        <p:attrNameLst>
+                                          <p:attrName>style.visibility</p:attrName>
+                                        </p:attrNameLst>
+                                      </p:cBhvr>
+                                      <p:to>
+                                        <p:strVal val="visible"/>
+                                      </p:to>
+                                    </p:set>
+                                  </p:childTnLst>
+                                </p:cTn>
+                              </p:par>
+                            </p:childTnLst>
+                          </p:cTn>
+                        </p:par>
+                      </p:childTnLst>
+                    </p:cTn>
+                  </p:par>
+                  <p:par>
+                    <p:cTn id="15" fill="hold">
+                      <p:stCondLst>
+                        <p:cond delay="indefinite"/>
+                      </p:stCondLst>
+                      <p:childTnLst>
+                        <p:par>
+                          <p:cTn id="16" fill="hold">
+                            <p:stCondLst>
+                              <p:cond delay="0"/>
+                            </p:stCondLst>
+                            <p:childTnLst>
+                              <p:par>
+                                <p:cTn id="17" presetID="1" presetClass="entr" presetSubtype="0" fill="hold" nodeType="clickEffect">
+                                  <p:stCondLst>
+                                    <p:cond delay="0"/>
+                                  </p:stCondLst>
+                                  <p:childTnLst>
+                                    <p:set>
+                                      <p:cBhvr>
+                                        <p:cTn id="18" dur="1" fill="hold">
+                                          <p:stCondLst>
+                                            <p:cond delay="0"/>
+                                          </p:stCondLst>
+                                        </p:cTn>
+                                        <p:tgtEl>
+                                          <p:spTgt spid="444419">
+                                            <p:txEl>
+                                              <p:pRg st="3" end="3"/>
+                                            </p:txEl>
+                                          </p:spTgt>
+                                        </p:tgtEl>
+                                        <p:attrNameLst>
+                                          <p:attrName>style.visibility</p:attrName>
+                                        </p:attrNameLst>
+                                      </p:cBhvr>
+                                      <p:to>
+                                        <p:strVal val="visible"/>
+                                      </p:to>
+                                    </p:set>
+                                  </p:childTnLst>
+                                </p:cTn>
+                              </p:par>
+                            </p:childTnLst>
+                          </p:cTn>
+                        </p:par>
+                      </p:childTnLst>
+                    </p:cTn>
+                  </p:par>
+                  <p:par>
+                    <p:cTn id="19" fill="hold">
+                      <p:stCondLst>
+                        <p:cond delay="indefinite"/>
+                      </p:stCondLst>
+                      <p:childTnLst>
+                        <p:par>
+                          <p:cTn id="20" fill="hold">
+                            <p:stCondLst>
+                              <p:cond delay="0"/>
+                            </p:stCondLst>
+                            <p:childTnLst>
+                              <p:par>
+                                <p:cTn id="21" presetID="1" presetClass="entr" presetSubtype="0" fill="hold" nodeType="clickEffect">
+                                  <p:stCondLst>
+                                    <p:cond delay="0"/>
+                                  </p:stCondLst>
+                                  <p:childTnLst>
+                                    <p:set>
+                                      <p:cBhvr>
+                                        <p:cTn id="22" dur="1" fill="hold">
+                                          <p:stCondLst>
+                                            <p:cond delay="0"/>
+                                          </p:stCondLst>
+                                        </p:cTn>
+                                        <p:tgtEl>
+                                          <p:spTgt spid="444419">
+                                            <p:txEl>
+                                              <p:pRg st="4" end="4"/>
+                                            </p:txEl>
+                                          </p:spTgt>
+                                        </p:tgtEl>
+                                        <p:attrNameLst>
+                                          <p:attrName>style.visibility</p:attrName>
+                                        </p:attrNameLst>
+                                      </p:cBhvr>
+                                      <p:to>
+                                        <p:strVal val="visible"/>
+                                      </p:to>
+                                    </p:set>
+                                  </p:childTnLst>
+                                </p:cTn>
+                              </p:par>
+                            </p:childTnLst>
+                          </p:cTn>
+                        </p:par>
+                      </p:childTnLst>
+                    </p:cTn>
+                  </p:par>
+                </p:childTnLst>
+              </p:cTn>
+              <p:prevCondLst>
+                <p:cond evt="onPrev" delay="0">
+                  <p:tgtEl>
+                    <p:sldTgt/>
+                  </p:tgtEl>
+                </p:cond>
+              </p:prevCondLst>
+              <p:nextCondLst>
+                <p:cond evt="onNext" delay="0">
+                  <p:tgtEl>
+                    <p:sldTgt/>
+                  </p:tgtEl>
+                </p:cond>
+              </p:nextCondLst>
+            </p:seq>
+          </p:childTnLst>
+        </p:cTn>
+      </p:par>
+    </p:tnLst>
+  </p:timing>
 </p:sld>
 </file>
 
@@ -6865,6 +7844,294 @@
   <p:clrMapOvr>
     <a:masterClrMapping/>
   </p:clrMapOvr>
+  <p:timing>
+    <p:tnLst>
+      <p:par>
+        <p:cTn id="1" dur="indefinite" restart="never" nodeType="tmRoot">
+          <p:childTnLst>
+            <p:seq concurrent="1" nextAc="seek">
+              <p:cTn id="2" dur="indefinite" nodeType="mainSeq">
+                <p:childTnLst>
+                  <p:par>
+                    <p:cTn id="3" fill="hold">
+                      <p:stCondLst>
+                        <p:cond delay="indefinite"/>
+                      </p:stCondLst>
+                      <p:childTnLst>
+                        <p:par>
+                          <p:cTn id="4" fill="hold">
+                            <p:stCondLst>
+                              <p:cond delay="0"/>
+                            </p:stCondLst>
+                            <p:childTnLst>
+                              <p:par>
+                                <p:cTn id="5" presetID="1" presetClass="entr" presetSubtype="0" fill="hold" nodeType="clickEffect">
+                                  <p:stCondLst>
+                                    <p:cond delay="0"/>
+                                  </p:stCondLst>
+                                  <p:childTnLst>
+                                    <p:set>
+                                      <p:cBhvr>
+                                        <p:cTn id="6" dur="1" fill="hold">
+                                          <p:stCondLst>
+                                            <p:cond delay="0"/>
+                                          </p:stCondLst>
+                                        </p:cTn>
+                                        <p:tgtEl>
+                                          <p:spTgt spid="3">
+                                            <p:txEl>
+                                              <p:pRg st="1" end="1"/>
+                                            </p:txEl>
+                                          </p:spTgt>
+                                        </p:tgtEl>
+                                        <p:attrNameLst>
+                                          <p:attrName>style.visibility</p:attrName>
+                                        </p:attrNameLst>
+                                      </p:cBhvr>
+                                      <p:to>
+                                        <p:strVal val="visible"/>
+                                      </p:to>
+                                    </p:set>
+                                  </p:childTnLst>
+                                </p:cTn>
+                              </p:par>
+                            </p:childTnLst>
+                          </p:cTn>
+                        </p:par>
+                      </p:childTnLst>
+                    </p:cTn>
+                  </p:par>
+                  <p:par>
+                    <p:cTn id="7" fill="hold">
+                      <p:stCondLst>
+                        <p:cond delay="indefinite"/>
+                      </p:stCondLst>
+                      <p:childTnLst>
+                        <p:par>
+                          <p:cTn id="8" fill="hold">
+                            <p:stCondLst>
+                              <p:cond delay="0"/>
+                            </p:stCondLst>
+                            <p:childTnLst>
+                              <p:par>
+                                <p:cTn id="9" presetID="1" presetClass="entr" presetSubtype="0" fill="hold" nodeType="clickEffect">
+                                  <p:stCondLst>
+                                    <p:cond delay="0"/>
+                                  </p:stCondLst>
+                                  <p:childTnLst>
+                                    <p:set>
+                                      <p:cBhvr>
+                                        <p:cTn id="10" dur="1" fill="hold">
+                                          <p:stCondLst>
+                                            <p:cond delay="0"/>
+                                          </p:stCondLst>
+                                        </p:cTn>
+                                        <p:tgtEl>
+                                          <p:spTgt spid="3">
+                                            <p:txEl>
+                                              <p:pRg st="2" end="2"/>
+                                            </p:txEl>
+                                          </p:spTgt>
+                                        </p:tgtEl>
+                                        <p:attrNameLst>
+                                          <p:attrName>style.visibility</p:attrName>
+                                        </p:attrNameLst>
+                                      </p:cBhvr>
+                                      <p:to>
+                                        <p:strVal val="visible"/>
+                                      </p:to>
+                                    </p:set>
+                                  </p:childTnLst>
+                                </p:cTn>
+                              </p:par>
+                              <p:par>
+                                <p:cTn id="11" presetID="1" presetClass="entr" presetSubtype="0" fill="hold" nodeType="withEffect">
+                                  <p:stCondLst>
+                                    <p:cond delay="0"/>
+                                  </p:stCondLst>
+                                  <p:childTnLst>
+                                    <p:set>
+                                      <p:cBhvr>
+                                        <p:cTn id="12" dur="1" fill="hold">
+                                          <p:stCondLst>
+                                            <p:cond delay="0"/>
+                                          </p:stCondLst>
+                                        </p:cTn>
+                                        <p:tgtEl>
+                                          <p:spTgt spid="3">
+                                            <p:txEl>
+                                              <p:pRg st="3" end="3"/>
+                                            </p:txEl>
+                                          </p:spTgt>
+                                        </p:tgtEl>
+                                        <p:attrNameLst>
+                                          <p:attrName>style.visibility</p:attrName>
+                                        </p:attrNameLst>
+                                      </p:cBhvr>
+                                      <p:to>
+                                        <p:strVal val="visible"/>
+                                      </p:to>
+                                    </p:set>
+                                  </p:childTnLst>
+                                </p:cTn>
+                              </p:par>
+                              <p:par>
+                                <p:cTn id="13" presetID="1" presetClass="entr" presetSubtype="0" fill="hold" nodeType="withEffect">
+                                  <p:stCondLst>
+                                    <p:cond delay="0"/>
+                                  </p:stCondLst>
+                                  <p:childTnLst>
+                                    <p:set>
+                                      <p:cBhvr>
+                                        <p:cTn id="14" dur="1" fill="hold">
+                                          <p:stCondLst>
+                                            <p:cond delay="0"/>
+                                          </p:stCondLst>
+                                        </p:cTn>
+                                        <p:tgtEl>
+                                          <p:spTgt spid="3">
+                                            <p:txEl>
+                                              <p:pRg st="4" end="4"/>
+                                            </p:txEl>
+                                          </p:spTgt>
+                                        </p:tgtEl>
+                                        <p:attrNameLst>
+                                          <p:attrName>style.visibility</p:attrName>
+                                        </p:attrNameLst>
+                                      </p:cBhvr>
+                                      <p:to>
+                                        <p:strVal val="visible"/>
+                                      </p:to>
+                                    </p:set>
+                                  </p:childTnLst>
+                                </p:cTn>
+                              </p:par>
+                            </p:childTnLst>
+                          </p:cTn>
+                        </p:par>
+                      </p:childTnLst>
+                    </p:cTn>
+                  </p:par>
+                  <p:par>
+                    <p:cTn id="15" fill="hold">
+                      <p:stCondLst>
+                        <p:cond delay="indefinite"/>
+                      </p:stCondLst>
+                      <p:childTnLst>
+                        <p:par>
+                          <p:cTn id="16" fill="hold">
+                            <p:stCondLst>
+                              <p:cond delay="0"/>
+                            </p:stCondLst>
+                            <p:childTnLst>
+                              <p:par>
+                                <p:cTn id="17" presetID="1" presetClass="entr" presetSubtype="0" fill="hold" nodeType="clickEffect">
+                                  <p:stCondLst>
+                                    <p:cond delay="0"/>
+                                  </p:stCondLst>
+                                  <p:childTnLst>
+                                    <p:set>
+                                      <p:cBhvr>
+                                        <p:cTn id="18" dur="1" fill="hold">
+                                          <p:stCondLst>
+                                            <p:cond delay="0"/>
+                                          </p:stCondLst>
+                                        </p:cTn>
+                                        <p:tgtEl>
+                                          <p:spTgt spid="3">
+                                            <p:txEl>
+                                              <p:pRg st="5" end="5"/>
+                                            </p:txEl>
+                                          </p:spTgt>
+                                        </p:tgtEl>
+                                        <p:attrNameLst>
+                                          <p:attrName>style.visibility</p:attrName>
+                                        </p:attrNameLst>
+                                      </p:cBhvr>
+                                      <p:to>
+                                        <p:strVal val="visible"/>
+                                      </p:to>
+                                    </p:set>
+                                  </p:childTnLst>
+                                </p:cTn>
+                              </p:par>
+                            </p:childTnLst>
+                          </p:cTn>
+                        </p:par>
+                      </p:childTnLst>
+                    </p:cTn>
+                  </p:par>
+                  <p:par>
+                    <p:cTn id="19" fill="hold">
+                      <p:stCondLst>
+                        <p:cond delay="indefinite"/>
+                      </p:stCondLst>
+                      <p:childTnLst>
+                        <p:par>
+                          <p:cTn id="20" fill="hold">
+                            <p:stCondLst>
+                              <p:cond delay="0"/>
+                            </p:stCondLst>
+                            <p:childTnLst>
+                              <p:par>
+                                <p:cTn id="21" presetID="1" presetClass="entr" presetSubtype="0" fill="hold" nodeType="clickEffect">
+                                  <p:stCondLst>
+                                    <p:cond delay="0"/>
+                                  </p:stCondLst>
+                                  <p:childTnLst>
+                                    <p:set>
+                                      <p:cBhvr>
+                                        <p:cTn id="22" dur="1" fill="hold">
+                                          <p:stCondLst>
+                                            <p:cond delay="0"/>
+                                          </p:stCondLst>
+                                        </p:cTn>
+                                        <p:tgtEl>
+                                          <p:spTgt spid="3">
+                                            <p:txEl>
+                                              <p:pRg st="6" end="6"/>
+                                            </p:txEl>
+                                          </p:spTgt>
+                                        </p:tgtEl>
+                                        <p:attrNameLst>
+                                          <p:attrName>style.visibility</p:attrName>
+                                        </p:attrNameLst>
+                                      </p:cBhvr>
+                                      <p:to>
+                                        <p:strVal val="visible"/>
+                                      </p:to>
+                                    </p:set>
+                                  </p:childTnLst>
+                                </p:cTn>
+                              </p:par>
+                            </p:childTnLst>
+                          </p:cTn>
+                        </p:par>
+                      </p:childTnLst>
+                    </p:cTn>
+                  </p:par>
+                </p:childTnLst>
+              </p:cTn>
+              <p:prevCondLst>
+                <p:cond evt="onPrev" delay="0">
+                  <p:tgtEl>
+                    <p:sldTgt/>
+                  </p:tgtEl>
+                </p:cond>
+              </p:prevCondLst>
+              <p:nextCondLst>
+                <p:cond evt="onNext" delay="0">
+                  <p:tgtEl>
+                    <p:sldTgt/>
+                  </p:tgtEl>
+                </p:cond>
+              </p:nextCondLst>
+            </p:seq>
+          </p:childTnLst>
+        </p:cTn>
+      </p:par>
+    </p:tnLst>
+  </p:timing>
 </p:sld>
 </file>
 
@@ -7095,6 +8362,245 @@
   <p:clrMapOvr>
     <a:masterClrMapping/>
   </p:clrMapOvr>
+  <p:timing>
+    <p:tnLst>
+      <p:par>
+        <p:cTn id="1" dur="indefinite" restart="never" nodeType="tmRoot">
+          <p:childTnLst>
+            <p:seq concurrent="1" nextAc="seek">
+              <p:cTn id="2" dur="indefinite" nodeType="mainSeq">
+                <p:childTnLst>
+                  <p:par>
+                    <p:cTn id="3" fill="hold">
+                      <p:stCondLst>
+                        <p:cond delay="indefinite"/>
+                      </p:stCondLst>
+                      <p:childTnLst>
+                        <p:par>
+                          <p:cTn id="4" fill="hold">
+                            <p:stCondLst>
+                              <p:cond delay="0"/>
+                            </p:stCondLst>
+                            <p:childTnLst>
+                              <p:par>
+                                <p:cTn id="5" presetID="1" presetClass="entr" presetSubtype="0" fill="hold" nodeType="clickEffect">
+                                  <p:stCondLst>
+                                    <p:cond delay="0"/>
+                                  </p:stCondLst>
+                                  <p:childTnLst>
+                                    <p:set>
+                                      <p:cBhvr>
+                                        <p:cTn id="6" dur="1" fill="hold">
+                                          <p:stCondLst>
+                                            <p:cond delay="0"/>
+                                          </p:stCondLst>
+                                        </p:cTn>
+                                        <p:tgtEl>
+                                          <p:spTgt spid="3">
+                                            <p:txEl>
+                                              <p:pRg st="2" end="2"/>
+                                            </p:txEl>
+                                          </p:spTgt>
+                                        </p:tgtEl>
+                                        <p:attrNameLst>
+                                          <p:attrName>style.visibility</p:attrName>
+                                        </p:attrNameLst>
+                                      </p:cBhvr>
+                                      <p:to>
+                                        <p:strVal val="visible"/>
+                                      </p:to>
+                                    </p:set>
+                                  </p:childTnLst>
+                                </p:cTn>
+                              </p:par>
+                            </p:childTnLst>
+                          </p:cTn>
+                        </p:par>
+                      </p:childTnLst>
+                    </p:cTn>
+                  </p:par>
+                  <p:par>
+                    <p:cTn id="7" fill="hold">
+                      <p:stCondLst>
+                        <p:cond delay="indefinite"/>
+                      </p:stCondLst>
+                      <p:childTnLst>
+                        <p:par>
+                          <p:cTn id="8" fill="hold">
+                            <p:stCondLst>
+                              <p:cond delay="0"/>
+                            </p:stCondLst>
+                            <p:childTnLst>
+                              <p:par>
+                                <p:cTn id="9" presetID="1" presetClass="entr" presetSubtype="0" fill="hold" nodeType="clickEffect">
+                                  <p:stCondLst>
+                                    <p:cond delay="0"/>
+                                  </p:stCondLst>
+                                  <p:childTnLst>
+                                    <p:set>
+                                      <p:cBhvr>
+                                        <p:cTn id="10" dur="1" fill="hold">
+                                          <p:stCondLst>
+                                            <p:cond delay="0"/>
+                                          </p:stCondLst>
+                                        </p:cTn>
+                                        <p:tgtEl>
+                                          <p:spTgt spid="3">
+                                            <p:txEl>
+                                              <p:pRg st="3" end="3"/>
+                                            </p:txEl>
+                                          </p:spTgt>
+                                        </p:tgtEl>
+                                        <p:attrNameLst>
+                                          <p:attrName>style.visibility</p:attrName>
+                                        </p:attrNameLst>
+                                      </p:cBhvr>
+                                      <p:to>
+                                        <p:strVal val="visible"/>
+                                      </p:to>
+                                    </p:set>
+                                  </p:childTnLst>
+                                </p:cTn>
+                              </p:par>
+                            </p:childTnLst>
+                          </p:cTn>
+                        </p:par>
+                      </p:childTnLst>
+                    </p:cTn>
+                  </p:par>
+                  <p:par>
+                    <p:cTn id="11" fill="hold">
+                      <p:stCondLst>
+                        <p:cond delay="indefinite"/>
+                      </p:stCondLst>
+                      <p:childTnLst>
+                        <p:par>
+                          <p:cTn id="12" fill="hold">
+                            <p:stCondLst>
+                              <p:cond delay="0"/>
+                            </p:stCondLst>
+                            <p:childTnLst>
+                              <p:par>
+                                <p:cTn id="13" presetID="1" presetClass="entr" presetSubtype="0" fill="hold" nodeType="clickEffect">
+                                  <p:stCondLst>
+                                    <p:cond delay="0"/>
+                                  </p:stCondLst>
+                                  <p:childTnLst>
+                                    <p:set>
+                                      <p:cBhvr>
+                                        <p:cTn id="14" dur="1" fill="hold">
+                                          <p:stCondLst>
+                                            <p:cond delay="0"/>
+                                          </p:stCondLst>
+                                        </p:cTn>
+                                        <p:tgtEl>
+                                          <p:spTgt spid="3">
+                                            <p:txEl>
+                                              <p:pRg st="4" end="4"/>
+                                            </p:txEl>
+                                          </p:spTgt>
+                                        </p:tgtEl>
+                                        <p:attrNameLst>
+                                          <p:attrName>style.visibility</p:attrName>
+                                        </p:attrNameLst>
+                                      </p:cBhvr>
+                                      <p:to>
+                                        <p:strVal val="visible"/>
+                                      </p:to>
+                                    </p:set>
+                                  </p:childTnLst>
+                                </p:cTn>
+                              </p:par>
+                              <p:par>
+                                <p:cTn id="15" presetID="1" presetClass="entr" presetSubtype="0" fill="hold" nodeType="withEffect">
+                                  <p:stCondLst>
+                                    <p:cond delay="0"/>
+                                  </p:stCondLst>
+                                  <p:childTnLst>
+                                    <p:set>
+                                      <p:cBhvr>
+                                        <p:cTn id="16" dur="1" fill="hold">
+                                          <p:stCondLst>
+                                            <p:cond delay="0"/>
+                                          </p:stCondLst>
+                                        </p:cTn>
+                                        <p:tgtEl>
+                                          <p:spTgt spid="3">
+                                            <p:txEl>
+                                              <p:pRg st="5" end="5"/>
+                                            </p:txEl>
+                                          </p:spTgt>
+                                        </p:tgtEl>
+                                        <p:attrNameLst>
+                                          <p:attrName>style.visibility</p:attrName>
+                                        </p:attrNameLst>
+                                      </p:cBhvr>
+                                      <p:to>
+                                        <p:strVal val="visible"/>
+                                      </p:to>
+                                    </p:set>
+                                  </p:childTnLst>
+                                </p:cTn>
+                              </p:par>
+                              <p:par>
+                                <p:cTn id="17" presetID="1" presetClass="entr" presetSubtype="0" fill="hold" nodeType="withEffect">
+                                  <p:stCondLst>
+                                    <p:cond delay="0"/>
+                                  </p:stCondLst>
+                                  <p:childTnLst>
+                                    <p:set>
+                                      <p:cBhvr>
+                                        <p:cTn id="18" dur="1" fill="hold">
+                                          <p:stCondLst>
+                                            <p:cond delay="0"/>
+                                          </p:stCondLst>
+                                        </p:cTn>
+                                        <p:tgtEl>
+                                          <p:spTgt spid="3">
+                                            <p:txEl>
+                                              <p:pRg st="6" end="6"/>
+                                            </p:txEl>
+                                          </p:spTgt>
+                                        </p:tgtEl>
+                                        <p:attrNameLst>
+                                          <p:attrName>style.visibility</p:attrName>
+                                        </p:attrNameLst>
+                                      </p:cBhvr>
+                                      <p:to>
+                                        <p:strVal val="visible"/>
+                                      </p:to>
+                                    </p:set>
+                                  </p:childTnLst>
+                                </p:cTn>
+                              </p:par>
+                            </p:childTnLst>
+                          </p:cTn>
+                        </p:par>
+                      </p:childTnLst>
+                    </p:cTn>
+                  </p:par>
+                </p:childTnLst>
+              </p:cTn>
+              <p:prevCondLst>
+                <p:cond evt="onPrev" delay="0">
+                  <p:tgtEl>
+                    <p:sldTgt/>
+                  </p:tgtEl>
+                </p:cond>
+              </p:prevCondLst>
+              <p:nextCondLst>
+                <p:cond evt="onNext" delay="0">
+                  <p:tgtEl>
+                    <p:sldTgt/>
+                  </p:tgtEl>
+                </p:cond>
+              </p:nextCondLst>
+            </p:seq>
+          </p:childTnLst>
+        </p:cTn>
+      </p:par>
+    </p:tnLst>
+  </p:timing>
 </p:sld>
 </file>
 
@@ -7387,6 +8893,112 @@
   <p:clrMapOvr>
     <a:masterClrMapping/>
   </p:clrMapOvr>
+  <p:timing>
+    <p:tnLst>
+      <p:par>
+        <p:cTn id="1" dur="indefinite" restart="never" nodeType="tmRoot">
+          <p:childTnLst>
+            <p:seq concurrent="1" nextAc="seek">
+              <p:cTn id="2" dur="indefinite" nodeType="mainSeq">
+                <p:childTnLst>
+                  <p:par>
+                    <p:cTn id="3" fill="hold">
+                      <p:stCondLst>
+                        <p:cond delay="indefinite"/>
+                      </p:stCondLst>
+                      <p:childTnLst>
+                        <p:par>
+                          <p:cTn id="4" fill="hold">
+                            <p:stCondLst>
+                              <p:cond delay="0"/>
+                            </p:stCondLst>
+                            <p:childTnLst>
+                              <p:par>
+                                <p:cTn id="5" presetID="1" presetClass="entr" presetSubtype="0" fill="hold" nodeType="clickEffect">
+                                  <p:stCondLst>
+                                    <p:cond delay="0"/>
+                                  </p:stCondLst>
+                                  <p:childTnLst>
+                                    <p:set>
+                                      <p:cBhvr>
+                                        <p:cTn id="6" dur="1" fill="hold">
+                                          <p:stCondLst>
+                                            <p:cond delay="0"/>
+                                          </p:stCondLst>
+                                        </p:cTn>
+                                        <p:tgtEl>
+                                          <p:spTgt spid="3">
+                                            <p:txEl>
+                                              <p:pRg st="1" end="1"/>
+                                            </p:txEl>
+                                          </p:spTgt>
+                                        </p:tgtEl>
+                                        <p:attrNameLst>
+                                          <p:attrName>style.visibility</p:attrName>
+                                        </p:attrNameLst>
+                                      </p:cBhvr>
+                                      <p:to>
+                                        <p:strVal val="visible"/>
+                                      </p:to>
+                                    </p:set>
+                                  </p:childTnLst>
+                                </p:cTn>
+                              </p:par>
+                              <p:par>
+                                <p:cTn id="7" presetID="1" presetClass="entr" presetSubtype="0" fill="hold" nodeType="withEffect">
+                                  <p:stCondLst>
+                                    <p:cond delay="0"/>
+                                  </p:stCondLst>
+                                  <p:childTnLst>
+                                    <p:set>
+                                      <p:cBhvr>
+                                        <p:cTn id="8" dur="1" fill="hold">
+                                          <p:stCondLst>
+                                            <p:cond delay="0"/>
+                                          </p:stCondLst>
+                                        </p:cTn>
+                                        <p:tgtEl>
+                                          <p:spTgt spid="12"/>
+                                        </p:tgtEl>
+                                        <p:attrNameLst>
+                                          <p:attrName>style.visibility</p:attrName>
+                                        </p:attrNameLst>
+                                      </p:cBhvr>
+                                      <p:to>
+                                        <p:strVal val="visible"/>
+                                      </p:to>
+                                    </p:set>
+                                  </p:childTnLst>
+                                </p:cTn>
+                              </p:par>
+                            </p:childTnLst>
+                          </p:cTn>
+                        </p:par>
+                      </p:childTnLst>
+                    </p:cTn>
+                  </p:par>
+                </p:childTnLst>
+              </p:cTn>
+              <p:prevCondLst>
+                <p:cond evt="onPrev" delay="0">
+                  <p:tgtEl>
+                    <p:sldTgt/>
+                  </p:tgtEl>
+                </p:cond>
+              </p:prevCondLst>
+              <p:nextCondLst>
+                <p:cond evt="onNext" delay="0">
+                  <p:tgtEl>
+                    <p:sldTgt/>
+                  </p:tgtEl>
+                </p:cond>
+              </p:nextCondLst>
+            </p:seq>
+          </p:childTnLst>
+        </p:cTn>
+      </p:par>
+    </p:tnLst>
+  </p:timing>
 </p:sld>
 </file>
 
@@ -7700,6 +9312,134 @@
   <p:clrMapOvr>
     <a:masterClrMapping/>
   </p:clrMapOvr>
+  <p:timing>
+    <p:tnLst>
+      <p:par>
+        <p:cTn id="1" dur="indefinite" restart="never" nodeType="tmRoot">
+          <p:childTnLst>
+            <p:seq concurrent="1" nextAc="seek">
+              <p:cTn id="2" dur="indefinite" nodeType="mainSeq">
+                <p:childTnLst>
+                  <p:par>
+                    <p:cTn id="3" fill="hold">
+                      <p:stCondLst>
+                        <p:cond delay="indefinite"/>
+                      </p:stCondLst>
+                      <p:childTnLst>
+                        <p:par>
+                          <p:cTn id="4" fill="hold">
+                            <p:stCondLst>
+                              <p:cond delay="0"/>
+                            </p:stCondLst>
+                            <p:childTnLst>
+                              <p:par>
+                                <p:cTn id="5" presetID="1" presetClass="entr" presetSubtype="0" fill="hold" nodeType="clickEffect">
+                                  <p:stCondLst>
+                                    <p:cond delay="0"/>
+                                  </p:stCondLst>
+                                  <p:childTnLst>
+                                    <p:set>
+                                      <p:cBhvr>
+                                        <p:cTn id="6" dur="1" fill="hold">
+                                          <p:stCondLst>
+                                            <p:cond delay="0"/>
+                                          </p:stCondLst>
+                                        </p:cTn>
+                                        <p:tgtEl>
+                                          <p:spTgt spid="3">
+                                            <p:txEl>
+                                              <p:pRg st="2" end="2"/>
+                                            </p:txEl>
+                                          </p:spTgt>
+                                        </p:tgtEl>
+                                        <p:attrNameLst>
+                                          <p:attrName>style.visibility</p:attrName>
+                                        </p:attrNameLst>
+                                      </p:cBhvr>
+                                      <p:to>
+                                        <p:strVal val="visible"/>
+                                      </p:to>
+                                    </p:set>
+                                  </p:childTnLst>
+                                </p:cTn>
+                              </p:par>
+                            </p:childTnLst>
+                          </p:cTn>
+                        </p:par>
+                      </p:childTnLst>
+                    </p:cTn>
+                  </p:par>
+                  <p:par>
+                    <p:cTn id="7" fill="hold">
+                      <p:stCondLst>
+                        <p:cond delay="indefinite"/>
+                      </p:stCondLst>
+                      <p:childTnLst>
+                        <p:par>
+                          <p:cTn id="8" fill="hold">
+                            <p:stCondLst>
+                              <p:cond delay="0"/>
+                            </p:stCondLst>
+                            <p:childTnLst>
+                              <p:par>
+                                <p:cTn id="9" presetID="1" presetClass="entr" presetSubtype="0" fill="hold" nodeType="clickEffect">
+                                  <p:stCondLst>
+                                    <p:cond delay="0"/>
+                                  </p:stCondLst>
+                                  <p:childTnLst>
+                                    <p:set>
+                                      <p:cBhvr>
+                                        <p:cTn id="10" dur="1" fill="hold">
+                                          <p:stCondLst>
+                                            <p:cond delay="0"/>
+                                          </p:stCondLst>
+                                        </p:cTn>
+                                        <p:tgtEl>
+                                          <p:spTgt spid="3">
+                                            <p:txEl>
+                                              <p:pRg st="3" end="3"/>
+                                            </p:txEl>
+                                          </p:spTgt>
+                                        </p:tgtEl>
+                                        <p:attrNameLst>
+                                          <p:attrName>style.visibility</p:attrName>
+                                        </p:attrNameLst>
+                                      </p:cBhvr>
+                                      <p:to>
+                                        <p:strVal val="visible"/>
+                                      </p:to>
+                                    </p:set>
+                                  </p:childTnLst>
+                                </p:cTn>
+                              </p:par>
+                            </p:childTnLst>
+                          </p:cTn>
+                        </p:par>
+                      </p:childTnLst>
+                    </p:cTn>
+                  </p:par>
+                </p:childTnLst>
+              </p:cTn>
+              <p:prevCondLst>
+                <p:cond evt="onPrev" delay="0">
+                  <p:tgtEl>
+                    <p:sldTgt/>
+                  </p:tgtEl>
+                </p:cond>
+              </p:prevCondLst>
+              <p:nextCondLst>
+                <p:cond evt="onNext" delay="0">
+                  <p:tgtEl>
+                    <p:sldTgt/>
+                  </p:tgtEl>
+                </p:cond>
+              </p:nextCondLst>
+            </p:seq>
+          </p:childTnLst>
+        </p:cTn>
+      </p:par>
+    </p:tnLst>
+  </p:timing>
 </p:sld>
 </file>
 
@@ -8026,6 +9766,84 @@
   <p:clrMapOvr>
     <a:masterClrMapping/>
   </p:clrMapOvr>
+  <p:timing>
+    <p:tnLst>
+      <p:par>
+        <p:cTn id="1" dur="indefinite" restart="never" nodeType="tmRoot">
+          <p:childTnLst>
+            <p:seq concurrent="1" nextAc="seek">
+              <p:cTn id="2" dur="indefinite" nodeType="mainSeq">
+                <p:childTnLst>
+                  <p:par>
+                    <p:cTn id="3" fill="hold">
+                      <p:stCondLst>
+                        <p:cond delay="indefinite"/>
+                      </p:stCondLst>
+                      <p:childTnLst>
+                        <p:par>
+                          <p:cTn id="4" fill="hold">
+                            <p:stCondLst>
+                              <p:cond delay="0"/>
+                            </p:stCondLst>
+                            <p:childTnLst>
+                              <p:par>
+                                <p:cTn id="5" presetID="1" presetClass="entr" presetSubtype="0" fill="hold" grpId="0" nodeType="clickEffect">
+                                  <p:stCondLst>
+                                    <p:cond delay="0"/>
+                                  </p:stCondLst>
+                                  <p:childTnLst>
+                                    <p:set>
+                                      <p:cBhvr>
+                                        <p:cTn id="6" dur="1" fill="hold">
+                                          <p:stCondLst>
+                                            <p:cond delay="0"/>
+                                          </p:stCondLst>
+                                        </p:cTn>
+                                        <p:tgtEl>
+                                          <p:spTgt spid="6"/>
+                                        </p:tgtEl>
+                                        <p:attrNameLst>
+                                          <p:attrName>style.visibility</p:attrName>
+                                        </p:attrNameLst>
+                                      </p:cBhvr>
+                                      <p:to>
+                                        <p:strVal val="visible"/>
+                                      </p:to>
+                                    </p:set>
+                                  </p:childTnLst>
+                                </p:cTn>
+                              </p:par>
+                            </p:childTnLst>
+                          </p:cTn>
+                        </p:par>
+                      </p:childTnLst>
+                    </p:cTn>
+                  </p:par>
+                </p:childTnLst>
+              </p:cTn>
+              <p:prevCondLst>
+                <p:cond evt="onPrev" delay="0">
+                  <p:tgtEl>
+                    <p:sldTgt/>
+                  </p:tgtEl>
+                </p:cond>
+              </p:prevCondLst>
+              <p:nextCondLst>
+                <p:cond evt="onNext" delay="0">
+                  <p:tgtEl>
+                    <p:sldTgt/>
+                  </p:tgtEl>
+                </p:cond>
+              </p:nextCondLst>
+            </p:seq>
+          </p:childTnLst>
+        </p:cTn>
+      </p:par>
+    </p:tnLst>
+    <p:bldLst>
+      <p:bldP spid="6" grpId="0"/>
+    </p:bldLst>
+  </p:timing>
 </p:sld>
 </file>
 
@@ -8212,6 +10030,161 @@
   <p:clrMapOvr>
     <a:masterClrMapping/>
   </p:clrMapOvr>
+  <p:timing>
+    <p:tnLst>
+      <p:par>
+        <p:cTn id="1" dur="indefinite" restart="never" nodeType="tmRoot">
+          <p:childTnLst>
+            <p:seq concurrent="1" nextAc="seek">
+              <p:cTn id="2" dur="indefinite" nodeType="mainSeq">
+                <p:childTnLst>
+                  <p:par>
+                    <p:cTn id="3" fill="hold">
+                      <p:stCondLst>
+                        <p:cond delay="indefinite"/>
+                      </p:stCondLst>
+                      <p:childTnLst>
+                        <p:par>
+                          <p:cTn id="4" fill="hold">
+                            <p:stCondLst>
+                              <p:cond delay="0"/>
+                            </p:stCondLst>
+                            <p:childTnLst>
+                              <p:par>
+                                <p:cTn id="5" presetID="1" presetClass="entr" presetSubtype="0" fill="hold" nodeType="clickEffect">
+                                  <p:stCondLst>
+                                    <p:cond delay="0"/>
+                                  </p:stCondLst>
+                                  <p:childTnLst>
+                                    <p:set>
+                                      <p:cBhvr>
+                                        <p:cTn id="6" dur="1" fill="hold">
+                                          <p:stCondLst>
+                                            <p:cond delay="0"/>
+                                          </p:stCondLst>
+                                        </p:cTn>
+                                        <p:tgtEl>
+                                          <p:spTgt spid="3">
+                                            <p:txEl>
+                                              <p:pRg st="1" end="1"/>
+                                            </p:txEl>
+                                          </p:spTgt>
+                                        </p:tgtEl>
+                                        <p:attrNameLst>
+                                          <p:attrName>style.visibility</p:attrName>
+                                        </p:attrNameLst>
+                                      </p:cBhvr>
+                                      <p:to>
+                                        <p:strVal val="visible"/>
+                                      </p:to>
+                                    </p:set>
+                                  </p:childTnLst>
+                                </p:cTn>
+                              </p:par>
+                            </p:childTnLst>
+                          </p:cTn>
+                        </p:par>
+                      </p:childTnLst>
+                    </p:cTn>
+                  </p:par>
+                  <p:par>
+                    <p:cTn id="7" fill="hold">
+                      <p:stCondLst>
+                        <p:cond delay="indefinite"/>
+                      </p:stCondLst>
+                      <p:childTnLst>
+                        <p:par>
+                          <p:cTn id="8" fill="hold">
+                            <p:stCondLst>
+                              <p:cond delay="0"/>
+                            </p:stCondLst>
+                            <p:childTnLst>
+                              <p:par>
+                                <p:cTn id="9" presetID="1" presetClass="entr" presetSubtype="0" fill="hold" nodeType="clickEffect">
+                                  <p:stCondLst>
+                                    <p:cond delay="0"/>
+                                  </p:stCondLst>
+                                  <p:childTnLst>
+                                    <p:set>
+                                      <p:cBhvr>
+                                        <p:cTn id="10" dur="1" fill="hold">
+                                          <p:stCondLst>
+                                            <p:cond delay="0"/>
+                                          </p:stCondLst>
+                                        </p:cTn>
+                                        <p:tgtEl>
+                                          <p:spTgt spid="3">
+                                            <p:txEl>
+                                              <p:pRg st="2" end="2"/>
+                                            </p:txEl>
+                                          </p:spTgt>
+                                        </p:tgtEl>
+                                        <p:attrNameLst>
+                                          <p:attrName>style.visibility</p:attrName>
+                                        </p:attrNameLst>
+                                      </p:cBhvr>
+                                      <p:to>
+                                        <p:strVal val="visible"/>
+                                      </p:to>
+                                    </p:set>
+                                  </p:childTnLst>
+                                </p:cTn>
+                              </p:par>
+                              <p:par>
+                                <p:cTn id="11" presetID="1" presetClass="entr" presetSubtype="0" fill="hold" nodeType="withEffect">
+                                  <p:stCondLst>
+                                    <p:cond delay="0"/>
+                                  </p:stCondLst>
+                                  <p:childTnLst>
+                                    <p:set>
+                                      <p:cBhvr>
+                                        <p:cTn id="12" dur="1" fill="hold">
+                                          <p:stCondLst>
+                                            <p:cond delay="0"/>
+                                          </p:stCondLst>
+                                        </p:cTn>
+                                        <p:tgtEl>
+                                          <p:spTgt spid="6"/>
+                                        </p:tgtEl>
+                                        <p:attrNameLst>
+                                          <p:attrName>style.visibility</p:attrName>
+                                        </p:attrNameLst>
+                                      </p:cBhvr>
+                                      <p:to>
+                                        <p:strVal val="visible"/>
+                                      </p:to>
+                                    </p:set>
+                                  </p:childTnLst>
+                                </p:cTn>
+                              </p:par>
+                            </p:childTnLst>
+                          </p:cTn>
+                        </p:par>
+                      </p:childTnLst>
+                    </p:cTn>
+                  </p:par>
+                </p:childTnLst>
+              </p:cTn>
+              <p:prevCondLst>
+                <p:cond evt="onPrev" delay="0">
+                  <p:tgtEl>
+                    <p:sldTgt/>
+                  </p:tgtEl>
+                </p:cond>
+              </p:prevCondLst>
+              <p:nextCondLst>
+                <p:cond evt="onNext" delay="0">
+                  <p:tgtEl>
+                    <p:sldTgt/>
+                  </p:tgtEl>
+                </p:cond>
+              </p:nextCondLst>
+            </p:seq>
+          </p:childTnLst>
+        </p:cTn>
+      </p:par>
+    </p:tnLst>
+  </p:timing>
 </p:sld>
 </file>
 

--- a/Courses/Applied-Programmer/Programming-Basics/01-Въведение-в-програмирането/02.Първа-конзолна-програма.pptx
+++ b/Courses/Applied-Programmer/Programming-Basics/01-Въведение-в-програмирането/02.Първа-конзолна-програма.pptx
@@ -5,10 +5,10 @@
     <p:sldMasterId id="2147483670" r:id="rId2"/>
   </p:sldMasterIdLst>
   <p:notesMasterIdLst>
-    <p:notesMasterId r:id="rId17"/>
+    <p:notesMasterId r:id="rId22"/>
   </p:notesMasterIdLst>
   <p:handoutMasterIdLst>
-    <p:handoutMasterId r:id="rId18"/>
+    <p:handoutMasterId r:id="rId23"/>
   </p:handoutMasterIdLst>
   <p:sldIdLst>
     <p:sldId id="274" r:id="rId3"/>
@@ -22,9 +22,14 @@
     <p:sldId id="400" r:id="rId11"/>
     <p:sldId id="401" r:id="rId12"/>
     <p:sldId id="426" r:id="rId13"/>
-    <p:sldId id="349" r:id="rId14"/>
-    <p:sldId id="434" r:id="rId15"/>
-    <p:sldId id="481" r:id="rId16"/>
+    <p:sldId id="483" r:id="rId14"/>
+    <p:sldId id="484" r:id="rId15"/>
+    <p:sldId id="486" r:id="rId16"/>
+    <p:sldId id="485" r:id="rId17"/>
+    <p:sldId id="482" r:id="rId18"/>
+    <p:sldId id="349" r:id="rId19"/>
+    <p:sldId id="434" r:id="rId20"/>
+    <p:sldId id="481" r:id="rId21"/>
   </p:sldIdLst>
   <p:sldSz cx="12188825" cy="6858000"/>
   <p:notesSz cx="6858000" cy="9144000"/>
@@ -313,7 +318,7 @@
             <a:fld id="{FE5B4EDC-59C0-49C7-8ADA-5A781B329E02}" type="datetimeFigureOut">
               <a:rPr lang="en-US"/>
               <a:pPr/>
-              <a:t>11-Nov-20</a:t>
+              <a:t>23-Nov-20</a:t>
             </a:fld>
             <a:endParaRPr dirty="0"/>
           </a:p>
@@ -611,7 +616,7 @@
             <a:fld id="{F2D8D46A-B586-417D-BFBD-8C8FE0AAF762}" type="datetimeFigureOut">
               <a:rPr lang="en-US" smtClean="0"/>
               <a:pPr/>
-              <a:t>11-Nov-20</a:t>
+              <a:t>23-Nov-20</a:t>
             </a:fld>
             <a:endParaRPr lang="en-US" dirty="0"/>
           </a:p>
@@ -1300,7 +1305,7 @@
             <a:fld id="{3EBA5BD7-F043-4D1B-AA17-CD412FC534DE}" type="slidenum">
               <a:rPr lang="en-US" smtClean="0"/>
               <a:pPr/>
-              <a:t>12</a:t>
+              <a:t>17</a:t>
             </a:fld>
             <a:endParaRPr lang="en-US" dirty="0"/>
           </a:p>
@@ -1464,7 +1469,7 @@
                 </a:solidFill>
               </a:rPr>
               <a:pPr/>
-              <a:t>13</a:t>
+              <a:t>18</a:t>
             </a:fld>
             <a:endParaRPr lang="en-US" dirty="0">
               <a:solidFill>
@@ -1627,7 +1632,7 @@
           <a:p>
             <a:fld id="{3EBA5BD7-F043-4D1B-AA17-CD412FC534DE}" type="slidenum">
               <a:rPr lang="en-US" smtClean="0"/>
-              <a:t>14</a:t>
+              <a:t>19</a:t>
             </a:fld>
             <a:endParaRPr lang="en-US" dirty="0"/>
           </a:p>
@@ -5094,6 +5099,1425 @@
           <a:lstStyle/>
           <a:p>
             <a:r>
+              <a:rPr lang="en-US"/>
+              <a:t>Judge </a:t>
+            </a:r>
+            <a:r>
+              <a:rPr lang="bg-BG" dirty="0"/>
+              <a:t>системата</a:t>
+            </a:r>
+            <a:endParaRPr lang="en-US" dirty="0"/>
+          </a:p>
+        </p:txBody>
+      </p:sp>
+      <p:sp>
+        <p:nvSpPr>
+          <p:cNvPr id="3" name="Text Placeholder 2"/>
+          <p:cNvSpPr>
+            <a:spLocks noGrp="1"/>
+          </p:cNvSpPr>
+          <p:nvPr>
+            <p:ph type="body" idx="1"/>
+          </p:nvPr>
+        </p:nvSpPr>
+        <p:spPr/>
+        <p:txBody>
+          <a:bodyPr/>
+          <a:lstStyle/>
+          <a:p>
+            <a:r>
+              <a:rPr lang="bg-BG" dirty="0"/>
+              <a:t>Автоматична проверка за задачи</a:t>
+            </a:r>
+            <a:endParaRPr lang="en-US" dirty="0"/>
+          </a:p>
+        </p:txBody>
+      </p:sp>
+      <p:sp>
+        <p:nvSpPr>
+          <p:cNvPr id="7" name="Slide Number Placeholder">
+            <a:extLst>
+              <a:ext uri="{FF2B5EF4-FFF2-40B4-BE49-F238E27FC236}">
+                <a16:creationId xmlns:a16="http://schemas.microsoft.com/office/drawing/2014/main" id="{E693C928-DFAD-4024-AAAC-3DD47D4DDA98}"/>
+              </a:ext>
+            </a:extLst>
+          </p:cNvPr>
+          <p:cNvSpPr txBox="1">
+            <a:spLocks/>
+          </p:cNvSpPr>
+          <p:nvPr/>
+        </p:nvSpPr>
+        <p:spPr>
+          <a:xfrm>
+            <a:off x="11566412" y="6525002"/>
+            <a:ext cx="428822" cy="196477"/>
+          </a:xfrm>
+          <a:prstGeom prst="rect">
+            <a:avLst/>
+          </a:prstGeom>
+        </p:spPr>
+        <p:txBody>
+          <a:bodyPr vert="horz" lIns="36000" tIns="36000" rIns="36000" bIns="36000" rtlCol="0" anchor="ctr"/>
+          <a:lstStyle>
+            <a:defPPr>
+              <a:defRPr lang="en-US"/>
+            </a:defPPr>
+            <a:lvl1pPr marL="0" algn="r" defTabSz="1218987" rtl="0" eaLnBrk="1" latinLnBrk="0" hangingPunct="1">
+              <a:defRPr sz="1000" kern="1200">
+                <a:solidFill>
+                  <a:schemeClr val="tx1">
+                    <a:tint val="75000"/>
+                  </a:schemeClr>
+                </a:solidFill>
+                <a:latin typeface="+mn-lt"/>
+                <a:ea typeface="+mn-ea"/>
+                <a:cs typeface="+mn-cs"/>
+              </a:defRPr>
+            </a:lvl1pPr>
+            <a:lvl2pPr marL="609493" algn="l" defTabSz="1218987" rtl="0" eaLnBrk="1" latinLnBrk="0" hangingPunct="1">
+              <a:defRPr sz="2400" kern="1200">
+                <a:solidFill>
+                  <a:schemeClr val="tx1"/>
+                </a:solidFill>
+                <a:latin typeface="+mn-lt"/>
+                <a:ea typeface="+mn-ea"/>
+                <a:cs typeface="+mn-cs"/>
+              </a:defRPr>
+            </a:lvl2pPr>
+            <a:lvl3pPr marL="1218987" algn="l" defTabSz="1218987" rtl="0" eaLnBrk="1" latinLnBrk="0" hangingPunct="1">
+              <a:defRPr sz="2400" kern="1200">
+                <a:solidFill>
+                  <a:schemeClr val="tx1"/>
+                </a:solidFill>
+                <a:latin typeface="+mn-lt"/>
+                <a:ea typeface="+mn-ea"/>
+                <a:cs typeface="+mn-cs"/>
+              </a:defRPr>
+            </a:lvl3pPr>
+            <a:lvl4pPr marL="1828480" algn="l" defTabSz="1218987" rtl="0" eaLnBrk="1" latinLnBrk="0" hangingPunct="1">
+              <a:defRPr sz="2400" kern="1200">
+                <a:solidFill>
+                  <a:schemeClr val="tx1"/>
+                </a:solidFill>
+                <a:latin typeface="+mn-lt"/>
+                <a:ea typeface="+mn-ea"/>
+                <a:cs typeface="+mn-cs"/>
+              </a:defRPr>
+            </a:lvl4pPr>
+            <a:lvl5pPr marL="2437973" algn="l" defTabSz="1218987" rtl="0" eaLnBrk="1" latinLnBrk="0" hangingPunct="1">
+              <a:defRPr sz="2400" kern="1200">
+                <a:solidFill>
+                  <a:schemeClr val="tx1"/>
+                </a:solidFill>
+                <a:latin typeface="+mn-lt"/>
+                <a:ea typeface="+mn-ea"/>
+                <a:cs typeface="+mn-cs"/>
+              </a:defRPr>
+            </a:lvl5pPr>
+            <a:lvl6pPr marL="3047467" algn="l" defTabSz="1218987" rtl="0" eaLnBrk="1" latinLnBrk="0" hangingPunct="1">
+              <a:defRPr sz="2400" kern="1200">
+                <a:solidFill>
+                  <a:schemeClr val="tx1"/>
+                </a:solidFill>
+                <a:latin typeface="+mn-lt"/>
+                <a:ea typeface="+mn-ea"/>
+                <a:cs typeface="+mn-cs"/>
+              </a:defRPr>
+            </a:lvl6pPr>
+            <a:lvl7pPr marL="3656960" algn="l" defTabSz="1218987" rtl="0" eaLnBrk="1" latinLnBrk="0" hangingPunct="1">
+              <a:defRPr sz="2400" kern="1200">
+                <a:solidFill>
+                  <a:schemeClr val="tx1"/>
+                </a:solidFill>
+                <a:latin typeface="+mn-lt"/>
+                <a:ea typeface="+mn-ea"/>
+                <a:cs typeface="+mn-cs"/>
+              </a:defRPr>
+            </a:lvl7pPr>
+            <a:lvl8pPr marL="4266453" algn="l" defTabSz="1218987" rtl="0" eaLnBrk="1" latinLnBrk="0" hangingPunct="1">
+              <a:defRPr sz="2400" kern="1200">
+                <a:solidFill>
+                  <a:schemeClr val="tx1"/>
+                </a:solidFill>
+                <a:latin typeface="+mn-lt"/>
+                <a:ea typeface="+mn-ea"/>
+                <a:cs typeface="+mn-cs"/>
+              </a:defRPr>
+            </a:lvl8pPr>
+            <a:lvl9pPr marL="4875947" algn="l" defTabSz="1218987" rtl="0" eaLnBrk="1" latinLnBrk="0" hangingPunct="1">
+              <a:defRPr sz="2400" kern="1200">
+                <a:solidFill>
+                  <a:schemeClr val="tx1"/>
+                </a:solidFill>
+                <a:latin typeface="+mn-lt"/>
+                <a:ea typeface="+mn-ea"/>
+                <a:cs typeface="+mn-cs"/>
+              </a:defRPr>
+            </a:lvl9pPr>
+          </a:lstStyle>
+          <a:p>
+            <a:fld id="{C014DD1E-5D91-48A3-AD6D-45FBA980D106}" type="slidenum">
+              <a:rPr lang="en-US" smtClean="0">
+                <a:solidFill>
+                  <a:prstClr val="white">
+                    <a:tint val="75000"/>
+                  </a:prstClr>
+                </a:solidFill>
+              </a:rPr>
+              <a:pPr/>
+              <a:t>11</a:t>
+            </a:fld>
+            <a:endParaRPr lang="en-US" dirty="0">
+              <a:solidFill>
+                <a:prstClr val="white">
+                  <a:tint val="75000"/>
+                </a:prstClr>
+              </a:solidFill>
+            </a:endParaRPr>
+          </a:p>
+        </p:txBody>
+      </p:sp>
+      <p:pic>
+        <p:nvPicPr>
+          <p:cNvPr id="8" name="Picture 7">
+            <a:extLst>
+              <a:ext uri="{FF2B5EF4-FFF2-40B4-BE49-F238E27FC236}">
+                <a16:creationId xmlns:a16="http://schemas.microsoft.com/office/drawing/2014/main" id="{A2C085D5-5578-4184-B01E-E530521F9207}"/>
+              </a:ext>
+            </a:extLst>
+          </p:cNvPr>
+          <p:cNvPicPr/>
+          <p:nvPr/>
+        </p:nvPicPr>
+        <p:blipFill>
+          <a:blip r:embed="rId2"/>
+          <a:stretch>
+            <a:fillRect/>
+          </a:stretch>
+        </p:blipFill>
+        <p:spPr>
+          <a:xfrm>
+            <a:off x="3656012" y="568960"/>
+            <a:ext cx="4876800" cy="4097292"/>
+          </a:xfrm>
+          <a:prstGeom prst="rect">
+            <a:avLst/>
+          </a:prstGeom>
+          <a:ln>
+            <a:solidFill>
+              <a:schemeClr val="bg1">
+                <a:lumMod val="85000"/>
+              </a:schemeClr>
+            </a:solidFill>
+          </a:ln>
+        </p:spPr>
+      </p:pic>
+    </p:spTree>
+    <p:extLst>
+      <p:ext uri="{BB962C8B-B14F-4D97-AF65-F5344CB8AC3E}">
+        <p14:creationId xmlns:p14="http://schemas.microsoft.com/office/powerpoint/2010/main" val="1274625882"/>
+      </p:ext>
+    </p:extLst>
+  </p:cSld>
+  <p:clrMapOvr>
+    <a:masterClrMapping/>
+  </p:clrMapOvr>
+</p:sld>
+</file>
+
+<file path=ppt/slides/slide12.xml><?xml version="1.0" encoding="utf-8"?>
+<p:sld xmlns:a="http://schemas.openxmlformats.org/drawingml/2006/main" xmlns:r="http://schemas.openxmlformats.org/officeDocument/2006/relationships" xmlns:p="http://schemas.openxmlformats.org/presentationml/2006/main">
+  <p:cSld>
+    <p:spTree>
+      <p:nvGrpSpPr>
+        <p:cNvPr id="1" name=""/>
+        <p:cNvGrpSpPr/>
+        <p:nvPr/>
+      </p:nvGrpSpPr>
+      <p:grpSpPr>
+        <a:xfrm>
+          <a:off x="0" y="0"/>
+          <a:ext cx="0" cy="0"/>
+          <a:chOff x="0" y="0"/>
+          <a:chExt cx="0" cy="0"/>
+        </a:xfrm>
+      </p:grpSpPr>
+      <p:sp>
+        <p:nvSpPr>
+          <p:cNvPr id="2" name="Slide Number Placeholder 1">
+            <a:extLst>
+              <a:ext uri="{FF2B5EF4-FFF2-40B4-BE49-F238E27FC236}">
+                <a16:creationId xmlns:a16="http://schemas.microsoft.com/office/drawing/2014/main" id="{594CED2B-754E-426E-8A55-8FCA2C22FB19}"/>
+              </a:ext>
+            </a:extLst>
+          </p:cNvPr>
+          <p:cNvSpPr>
+            <a:spLocks noGrp="1"/>
+          </p:cNvSpPr>
+          <p:nvPr>
+            <p:ph type="sldNum" sz="quarter" idx="4"/>
+          </p:nvPr>
+        </p:nvSpPr>
+        <p:spPr/>
+        <p:txBody>
+          <a:bodyPr/>
+          <a:lstStyle/>
+          <a:p>
+            <a:fld id="{C014DD1E-5D91-48A3-AD6D-45FBA980D106}" type="slidenum">
+              <a:rPr lang="en-US" smtClean="0">
+                <a:solidFill>
+                  <a:prstClr val="white">
+                    <a:tint val="75000"/>
+                  </a:prstClr>
+                </a:solidFill>
+              </a:rPr>
+              <a:pPr/>
+              <a:t>12</a:t>
+            </a:fld>
+            <a:endParaRPr lang="en-US" dirty="0">
+              <a:solidFill>
+                <a:prstClr val="white">
+                  <a:tint val="75000"/>
+                </a:prstClr>
+              </a:solidFill>
+            </a:endParaRPr>
+          </a:p>
+        </p:txBody>
+      </p:sp>
+      <p:sp>
+        <p:nvSpPr>
+          <p:cNvPr id="3" name="Content Placeholder 2">
+            <a:extLst>
+              <a:ext uri="{FF2B5EF4-FFF2-40B4-BE49-F238E27FC236}">
+                <a16:creationId xmlns:a16="http://schemas.microsoft.com/office/drawing/2014/main" id="{B7640DC8-2D19-464D-9852-787CBA43FA7A}"/>
+              </a:ext>
+            </a:extLst>
+          </p:cNvPr>
+          <p:cNvSpPr>
+            <a:spLocks noGrp="1"/>
+          </p:cNvSpPr>
+          <p:nvPr>
+            <p:ph idx="1"/>
+          </p:nvPr>
+        </p:nvSpPr>
+        <p:spPr/>
+        <p:txBody>
+          <a:bodyPr/>
+          <a:lstStyle/>
+          <a:p>
+            <a:r>
+              <a:rPr lang="bg-BG" dirty="0"/>
+              <a:t>Системата за автоматизирана проверка на задачи </a:t>
+            </a:r>
+            <a:r>
+              <a:rPr lang="en-US" b="1" dirty="0">
+                <a:solidFill>
+                  <a:srgbClr val="FFA72A"/>
+                </a:solidFill>
+              </a:rPr>
+              <a:t>SoftUni Judge </a:t>
+            </a:r>
+            <a:r>
+              <a:rPr lang="bg-BG" dirty="0"/>
+              <a:t>позволява да проверите решението си веднага</a:t>
+            </a:r>
+          </a:p>
+          <a:p>
+            <a:r>
+              <a:rPr lang="bg-BG" dirty="0"/>
+              <a:t>Направете си </a:t>
+            </a:r>
+            <a:r>
+              <a:rPr lang="bg-BG" b="1" dirty="0">
+                <a:solidFill>
+                  <a:srgbClr val="FFA72A"/>
+                </a:solidFill>
+              </a:rPr>
+              <a:t>регистрация</a:t>
+            </a:r>
+            <a:r>
+              <a:rPr lang="en-US" dirty="0"/>
+              <a:t> (</a:t>
+            </a:r>
+            <a:r>
+              <a:rPr lang="bg-BG" dirty="0"/>
+              <a:t>еднократно</a:t>
+            </a:r>
+            <a:r>
+              <a:rPr lang="en-US" dirty="0"/>
+              <a:t>)</a:t>
+            </a:r>
+            <a:r>
+              <a:rPr lang="bg-BG" dirty="0"/>
+              <a:t>:</a:t>
+            </a:r>
+          </a:p>
+          <a:p>
+            <a:endParaRPr lang="en-US" dirty="0"/>
+          </a:p>
+        </p:txBody>
+      </p:sp>
+      <p:sp>
+        <p:nvSpPr>
+          <p:cNvPr id="4" name="Title 3">
+            <a:extLst>
+              <a:ext uri="{FF2B5EF4-FFF2-40B4-BE49-F238E27FC236}">
+                <a16:creationId xmlns:a16="http://schemas.microsoft.com/office/drawing/2014/main" id="{5A94D355-54D5-477A-B00E-82C83B793B59}"/>
+              </a:ext>
+            </a:extLst>
+          </p:cNvPr>
+          <p:cNvSpPr>
+            <a:spLocks noGrp="1"/>
+          </p:cNvSpPr>
+          <p:nvPr>
+            <p:ph type="title"/>
+          </p:nvPr>
+        </p:nvSpPr>
+        <p:spPr/>
+        <p:txBody>
+          <a:bodyPr/>
+          <a:lstStyle/>
+          <a:p>
+            <a:r>
+              <a:rPr lang="en-US" dirty="0"/>
+              <a:t>SoftUni Judge</a:t>
+            </a:r>
+          </a:p>
+        </p:txBody>
+      </p:sp>
+      <p:pic>
+        <p:nvPicPr>
+          <p:cNvPr id="6" name="Picture 5">
+            <a:extLst>
+              <a:ext uri="{FF2B5EF4-FFF2-40B4-BE49-F238E27FC236}">
+                <a16:creationId xmlns:a16="http://schemas.microsoft.com/office/drawing/2014/main" id="{9B2AAA77-FB30-4CAC-980E-B76EEB218A42}"/>
+              </a:ext>
+            </a:extLst>
+          </p:cNvPr>
+          <p:cNvPicPr>
+            <a:picLocks noChangeAspect="1"/>
+          </p:cNvPicPr>
+          <p:nvPr/>
+        </p:nvPicPr>
+        <p:blipFill>
+          <a:blip r:embed="rId2"/>
+          <a:stretch>
+            <a:fillRect/>
+          </a:stretch>
+        </p:blipFill>
+        <p:spPr>
+          <a:xfrm>
+            <a:off x="2623662" y="3276600"/>
+            <a:ext cx="6941500" cy="3095625"/>
+          </a:xfrm>
+          <a:prstGeom prst="rect">
+            <a:avLst/>
+          </a:prstGeom>
+          <a:ln>
+            <a:solidFill>
+              <a:schemeClr val="bg2">
+                <a:lumMod val="60000"/>
+                <a:lumOff val="40000"/>
+              </a:schemeClr>
+            </a:solidFill>
+          </a:ln>
+        </p:spPr>
+      </p:pic>
+    </p:spTree>
+    <p:extLst>
+      <p:ext uri="{BB962C8B-B14F-4D97-AF65-F5344CB8AC3E}">
+        <p14:creationId xmlns:p14="http://schemas.microsoft.com/office/powerpoint/2010/main" val="84602204"/>
+      </p:ext>
+    </p:extLst>
+  </p:cSld>
+  <p:clrMapOvr>
+    <a:masterClrMapping/>
+  </p:clrMapOvr>
+  <p:timing>
+    <p:tnLst>
+      <p:par>
+        <p:cTn id="1" dur="indefinite" restart="never" nodeType="tmRoot">
+          <p:childTnLst>
+            <p:seq concurrent="1" nextAc="seek">
+              <p:cTn id="2" dur="indefinite" nodeType="mainSeq">
+                <p:childTnLst>
+                  <p:par>
+                    <p:cTn id="3" fill="hold">
+                      <p:stCondLst>
+                        <p:cond delay="indefinite"/>
+                      </p:stCondLst>
+                      <p:childTnLst>
+                        <p:par>
+                          <p:cTn id="4" fill="hold">
+                            <p:stCondLst>
+                              <p:cond delay="0"/>
+                            </p:stCondLst>
+                            <p:childTnLst>
+                              <p:par>
+                                <p:cTn id="5" presetID="1" presetClass="entr" presetSubtype="0" fill="hold" nodeType="clickEffect">
+                                  <p:stCondLst>
+                                    <p:cond delay="0"/>
+                                  </p:stCondLst>
+                                  <p:childTnLst>
+                                    <p:set>
+                                      <p:cBhvr>
+                                        <p:cTn id="6" dur="1" fill="hold">
+                                          <p:stCondLst>
+                                            <p:cond delay="0"/>
+                                          </p:stCondLst>
+                                        </p:cTn>
+                                        <p:tgtEl>
+                                          <p:spTgt spid="3">
+                                            <p:txEl>
+                                              <p:pRg st="1" end="1"/>
+                                            </p:txEl>
+                                          </p:spTgt>
+                                        </p:tgtEl>
+                                        <p:attrNameLst>
+                                          <p:attrName>style.visibility</p:attrName>
+                                        </p:attrNameLst>
+                                      </p:cBhvr>
+                                      <p:to>
+                                        <p:strVal val="visible"/>
+                                      </p:to>
+                                    </p:set>
+                                  </p:childTnLst>
+                                </p:cTn>
+                              </p:par>
+                              <p:par>
+                                <p:cTn id="7" presetID="1" presetClass="entr" presetSubtype="0" fill="hold" nodeType="withEffect">
+                                  <p:stCondLst>
+                                    <p:cond delay="0"/>
+                                  </p:stCondLst>
+                                  <p:childTnLst>
+                                    <p:set>
+                                      <p:cBhvr>
+                                        <p:cTn id="8" dur="1" fill="hold">
+                                          <p:stCondLst>
+                                            <p:cond delay="0"/>
+                                          </p:stCondLst>
+                                        </p:cTn>
+                                        <p:tgtEl>
+                                          <p:spTgt spid="6"/>
+                                        </p:tgtEl>
+                                        <p:attrNameLst>
+                                          <p:attrName>style.visibility</p:attrName>
+                                        </p:attrNameLst>
+                                      </p:cBhvr>
+                                      <p:to>
+                                        <p:strVal val="visible"/>
+                                      </p:to>
+                                    </p:set>
+                                  </p:childTnLst>
+                                </p:cTn>
+                              </p:par>
+                            </p:childTnLst>
+                          </p:cTn>
+                        </p:par>
+                      </p:childTnLst>
+                    </p:cTn>
+                  </p:par>
+                </p:childTnLst>
+              </p:cTn>
+              <p:prevCondLst>
+                <p:cond evt="onPrev" delay="0">
+                  <p:tgtEl>
+                    <p:sldTgt/>
+                  </p:tgtEl>
+                </p:cond>
+              </p:prevCondLst>
+              <p:nextCondLst>
+                <p:cond evt="onNext" delay="0">
+                  <p:tgtEl>
+                    <p:sldTgt/>
+                  </p:tgtEl>
+                </p:cond>
+              </p:nextCondLst>
+            </p:seq>
+          </p:childTnLst>
+        </p:cTn>
+      </p:par>
+    </p:tnLst>
+  </p:timing>
+</p:sld>
+</file>
+
+<file path=ppt/slides/slide13.xml><?xml version="1.0" encoding="utf-8"?>
+<p:sld xmlns:a="http://schemas.openxmlformats.org/drawingml/2006/main" xmlns:r="http://schemas.openxmlformats.org/officeDocument/2006/relationships" xmlns:p="http://schemas.openxmlformats.org/presentationml/2006/main">
+  <p:cSld>
+    <p:spTree>
+      <p:nvGrpSpPr>
+        <p:cNvPr id="1" name=""/>
+        <p:cNvGrpSpPr/>
+        <p:nvPr/>
+      </p:nvGrpSpPr>
+      <p:grpSpPr>
+        <a:xfrm>
+          <a:off x="0" y="0"/>
+          <a:ext cx="0" cy="0"/>
+          <a:chOff x="0" y="0"/>
+          <a:chExt cx="0" cy="0"/>
+        </a:xfrm>
+      </p:grpSpPr>
+      <p:sp>
+        <p:nvSpPr>
+          <p:cNvPr id="2" name="Slide Number Placeholder 1">
+            <a:extLst>
+              <a:ext uri="{FF2B5EF4-FFF2-40B4-BE49-F238E27FC236}">
+                <a16:creationId xmlns:a16="http://schemas.microsoft.com/office/drawing/2014/main" id="{594CED2B-754E-426E-8A55-8FCA2C22FB19}"/>
+              </a:ext>
+            </a:extLst>
+          </p:cNvPr>
+          <p:cNvSpPr>
+            <a:spLocks noGrp="1"/>
+          </p:cNvSpPr>
+          <p:nvPr>
+            <p:ph type="sldNum" sz="quarter" idx="4"/>
+          </p:nvPr>
+        </p:nvSpPr>
+        <p:spPr/>
+        <p:txBody>
+          <a:bodyPr/>
+          <a:lstStyle/>
+          <a:p>
+            <a:fld id="{C014DD1E-5D91-48A3-AD6D-45FBA980D106}" type="slidenum">
+              <a:rPr lang="en-US" smtClean="0">
+                <a:solidFill>
+                  <a:prstClr val="white">
+                    <a:tint val="75000"/>
+                  </a:prstClr>
+                </a:solidFill>
+              </a:rPr>
+              <a:pPr/>
+              <a:t>13</a:t>
+            </a:fld>
+            <a:endParaRPr lang="en-US" dirty="0">
+              <a:solidFill>
+                <a:prstClr val="white">
+                  <a:tint val="75000"/>
+                </a:prstClr>
+              </a:solidFill>
+            </a:endParaRPr>
+          </a:p>
+        </p:txBody>
+      </p:sp>
+      <p:sp>
+        <p:nvSpPr>
+          <p:cNvPr id="3" name="Content Placeholder 2">
+            <a:extLst>
+              <a:ext uri="{FF2B5EF4-FFF2-40B4-BE49-F238E27FC236}">
+                <a16:creationId xmlns:a16="http://schemas.microsoft.com/office/drawing/2014/main" id="{B7640DC8-2D19-464D-9852-787CBA43FA7A}"/>
+              </a:ext>
+            </a:extLst>
+          </p:cNvPr>
+          <p:cNvSpPr>
+            <a:spLocks noGrp="1"/>
+          </p:cNvSpPr>
+          <p:nvPr>
+            <p:ph idx="1"/>
+          </p:nvPr>
+        </p:nvSpPr>
+        <p:spPr>
+          <a:xfrm>
+            <a:off x="190413" y="1066800"/>
+            <a:ext cx="11804822" cy="5570355"/>
+          </a:xfrm>
+        </p:spPr>
+        <p:txBody>
+          <a:bodyPr/>
+          <a:lstStyle/>
+          <a:p>
+            <a:r>
+              <a:rPr lang="en-US" dirty="0"/>
+              <a:t>SoftUni judge </a:t>
+            </a:r>
+            <a:r>
+              <a:rPr lang="bg-BG" dirty="0"/>
+              <a:t>съдържа </a:t>
+            </a:r>
+            <a:r>
+              <a:rPr lang="bg-BG" b="1" dirty="0">
+                <a:solidFill>
+                  <a:srgbClr val="FFA72A"/>
+                </a:solidFill>
+              </a:rPr>
+              <a:t>категории</a:t>
+            </a:r>
+            <a:r>
+              <a:rPr lang="bg-BG" dirty="0"/>
+              <a:t> със състезания</a:t>
+            </a:r>
+            <a:endParaRPr lang="en-US" b="1" dirty="0">
+              <a:solidFill>
+                <a:srgbClr val="FFA72A"/>
+              </a:solidFill>
+            </a:endParaRPr>
+          </a:p>
+        </p:txBody>
+      </p:sp>
+      <p:sp>
+        <p:nvSpPr>
+          <p:cNvPr id="4" name="Title 3">
+            <a:extLst>
+              <a:ext uri="{FF2B5EF4-FFF2-40B4-BE49-F238E27FC236}">
+                <a16:creationId xmlns:a16="http://schemas.microsoft.com/office/drawing/2014/main" id="{5A94D355-54D5-477A-B00E-82C83B793B59}"/>
+              </a:ext>
+            </a:extLst>
+          </p:cNvPr>
+          <p:cNvSpPr>
+            <a:spLocks noGrp="1"/>
+          </p:cNvSpPr>
+          <p:nvPr>
+            <p:ph type="title"/>
+          </p:nvPr>
+        </p:nvSpPr>
+        <p:spPr/>
+        <p:txBody>
+          <a:bodyPr/>
+          <a:lstStyle/>
+          <a:p>
+            <a:r>
+              <a:rPr lang="en-US" dirty="0"/>
+              <a:t>SoftUni Judge</a:t>
+            </a:r>
+            <a:r>
+              <a:rPr lang="bg-BG" dirty="0"/>
+              <a:t>: категории</a:t>
+            </a:r>
+            <a:endParaRPr lang="en-US" dirty="0"/>
+          </a:p>
+        </p:txBody>
+      </p:sp>
+      <p:pic>
+        <p:nvPicPr>
+          <p:cNvPr id="7" name="Picture 6">
+            <a:extLst>
+              <a:ext uri="{FF2B5EF4-FFF2-40B4-BE49-F238E27FC236}">
+                <a16:creationId xmlns:a16="http://schemas.microsoft.com/office/drawing/2014/main" id="{77E3292B-5E80-4746-A81E-F4626093A192}"/>
+              </a:ext>
+            </a:extLst>
+          </p:cNvPr>
+          <p:cNvPicPr>
+            <a:picLocks noChangeAspect="1"/>
+          </p:cNvPicPr>
+          <p:nvPr/>
+        </p:nvPicPr>
+        <p:blipFill>
+          <a:blip r:embed="rId2"/>
+          <a:stretch>
+            <a:fillRect/>
+          </a:stretch>
+        </p:blipFill>
+        <p:spPr>
+          <a:xfrm>
+            <a:off x="491172" y="1960880"/>
+            <a:ext cx="4209580" cy="4467602"/>
+          </a:xfrm>
+          <a:prstGeom prst="rect">
+            <a:avLst/>
+          </a:prstGeom>
+          <a:ln>
+            <a:solidFill>
+              <a:schemeClr val="bg2">
+                <a:lumMod val="60000"/>
+                <a:lumOff val="40000"/>
+              </a:schemeClr>
+            </a:solidFill>
+          </a:ln>
+        </p:spPr>
+      </p:pic>
+      <p:sp>
+        <p:nvSpPr>
+          <p:cNvPr id="10" name="Arrow: Right 9">
+            <a:extLst>
+              <a:ext uri="{FF2B5EF4-FFF2-40B4-BE49-F238E27FC236}">
+                <a16:creationId xmlns:a16="http://schemas.microsoft.com/office/drawing/2014/main" id="{0B9E27D9-544C-4D49-A182-8EA2BCF423FE}"/>
+              </a:ext>
+            </a:extLst>
+          </p:cNvPr>
+          <p:cNvSpPr/>
+          <p:nvPr/>
+        </p:nvSpPr>
+        <p:spPr>
+          <a:xfrm>
+            <a:off x="4910772" y="4067330"/>
+            <a:ext cx="457200" cy="254702"/>
+          </a:xfrm>
+          <a:prstGeom prst="rightArrow">
+            <a:avLst/>
+          </a:prstGeom>
+        </p:spPr>
+        <p:style>
+          <a:lnRef idx="2">
+            <a:schemeClr val="accent1">
+              <a:shade val="50000"/>
+            </a:schemeClr>
+          </a:lnRef>
+          <a:fillRef idx="1">
+            <a:schemeClr val="accent1"/>
+          </a:fillRef>
+          <a:effectRef idx="0">
+            <a:schemeClr val="accent1"/>
+          </a:effectRef>
+          <a:fontRef idx="minor">
+            <a:schemeClr val="lt1"/>
+          </a:fontRef>
+        </p:style>
+        <p:txBody>
+          <a:bodyPr rtlCol="0" anchor="ctr"/>
+          <a:lstStyle/>
+          <a:p>
+            <a:pPr algn="ctr"/>
+            <a:endParaRPr lang="en-US" sz="2800"/>
+          </a:p>
+        </p:txBody>
+      </p:sp>
+      <p:pic>
+        <p:nvPicPr>
+          <p:cNvPr id="12" name="Picture 11">
+            <a:extLst>
+              <a:ext uri="{FF2B5EF4-FFF2-40B4-BE49-F238E27FC236}">
+                <a16:creationId xmlns:a16="http://schemas.microsoft.com/office/drawing/2014/main" id="{07BF00DB-E95C-4D0D-8FBF-30A2D9CA1648}"/>
+              </a:ext>
+            </a:extLst>
+          </p:cNvPr>
+          <p:cNvPicPr>
+            <a:picLocks noChangeAspect="1"/>
+          </p:cNvPicPr>
+          <p:nvPr/>
+        </p:nvPicPr>
+        <p:blipFill>
+          <a:blip r:embed="rId3"/>
+          <a:stretch>
+            <a:fillRect/>
+          </a:stretch>
+        </p:blipFill>
+        <p:spPr>
+          <a:xfrm>
+            <a:off x="5508402" y="2636520"/>
+            <a:ext cx="6184170" cy="3120396"/>
+          </a:xfrm>
+          <a:prstGeom prst="rect">
+            <a:avLst/>
+          </a:prstGeom>
+        </p:spPr>
+      </p:pic>
+    </p:spTree>
+    <p:extLst>
+      <p:ext uri="{BB962C8B-B14F-4D97-AF65-F5344CB8AC3E}">
+        <p14:creationId xmlns:p14="http://schemas.microsoft.com/office/powerpoint/2010/main" val="3228191451"/>
+      </p:ext>
+    </p:extLst>
+  </p:cSld>
+  <p:clrMapOvr>
+    <a:masterClrMapping/>
+  </p:clrMapOvr>
+</p:sld>
+</file>
+
+<file path=ppt/slides/slide14.xml><?xml version="1.0" encoding="utf-8"?>
+<p:sld xmlns:a="http://schemas.openxmlformats.org/drawingml/2006/main" xmlns:r="http://schemas.openxmlformats.org/officeDocument/2006/relationships" xmlns:p="http://schemas.openxmlformats.org/presentationml/2006/main">
+  <p:cSld>
+    <p:spTree>
+      <p:nvGrpSpPr>
+        <p:cNvPr id="1" name=""/>
+        <p:cNvGrpSpPr/>
+        <p:nvPr/>
+      </p:nvGrpSpPr>
+      <p:grpSpPr>
+        <a:xfrm>
+          <a:off x="0" y="0"/>
+          <a:ext cx="0" cy="0"/>
+          <a:chOff x="0" y="0"/>
+          <a:chExt cx="0" cy="0"/>
+        </a:xfrm>
+      </p:grpSpPr>
+      <p:sp>
+        <p:nvSpPr>
+          <p:cNvPr id="2" name="Slide Number Placeholder 1">
+            <a:extLst>
+              <a:ext uri="{FF2B5EF4-FFF2-40B4-BE49-F238E27FC236}">
+                <a16:creationId xmlns:a16="http://schemas.microsoft.com/office/drawing/2014/main" id="{594CED2B-754E-426E-8A55-8FCA2C22FB19}"/>
+              </a:ext>
+            </a:extLst>
+          </p:cNvPr>
+          <p:cNvSpPr>
+            <a:spLocks noGrp="1"/>
+          </p:cNvSpPr>
+          <p:nvPr>
+            <p:ph type="sldNum" sz="quarter" idx="4"/>
+          </p:nvPr>
+        </p:nvSpPr>
+        <p:spPr/>
+        <p:txBody>
+          <a:bodyPr/>
+          <a:lstStyle/>
+          <a:p>
+            <a:fld id="{C014DD1E-5D91-48A3-AD6D-45FBA980D106}" type="slidenum">
+              <a:rPr lang="en-US" smtClean="0">
+                <a:solidFill>
+                  <a:prstClr val="white">
+                    <a:tint val="75000"/>
+                  </a:prstClr>
+                </a:solidFill>
+              </a:rPr>
+              <a:pPr/>
+              <a:t>14</a:t>
+            </a:fld>
+            <a:endParaRPr lang="en-US" dirty="0">
+              <a:solidFill>
+                <a:prstClr val="white">
+                  <a:tint val="75000"/>
+                </a:prstClr>
+              </a:solidFill>
+            </a:endParaRPr>
+          </a:p>
+        </p:txBody>
+      </p:sp>
+      <p:sp>
+        <p:nvSpPr>
+          <p:cNvPr id="3" name="Content Placeholder 2">
+            <a:extLst>
+              <a:ext uri="{FF2B5EF4-FFF2-40B4-BE49-F238E27FC236}">
+                <a16:creationId xmlns:a16="http://schemas.microsoft.com/office/drawing/2014/main" id="{B7640DC8-2D19-464D-9852-787CBA43FA7A}"/>
+              </a:ext>
+            </a:extLst>
+          </p:cNvPr>
+          <p:cNvSpPr>
+            <a:spLocks noGrp="1"/>
+          </p:cNvSpPr>
+          <p:nvPr>
+            <p:ph idx="1"/>
+          </p:nvPr>
+        </p:nvSpPr>
+        <p:spPr/>
+        <p:txBody>
+          <a:bodyPr/>
+          <a:lstStyle/>
+          <a:p>
+            <a:r>
+              <a:rPr lang="bg-BG" dirty="0"/>
+              <a:t>Всяко </a:t>
+            </a:r>
+            <a:r>
+              <a:rPr lang="bg-BG" b="1" dirty="0">
+                <a:solidFill>
+                  <a:srgbClr val="FFA72A"/>
+                </a:solidFill>
+              </a:rPr>
+              <a:t>състезание</a:t>
+            </a:r>
+            <a:r>
+              <a:rPr lang="bg-BG" dirty="0"/>
+              <a:t> съдържа задачите от даден урок:</a:t>
+            </a:r>
+            <a:r>
+              <a:rPr lang="en-US" dirty="0"/>
+              <a:t> </a:t>
+            </a:r>
+            <a:endParaRPr lang="en-US" b="1" dirty="0">
+              <a:solidFill>
+                <a:srgbClr val="FFA72A"/>
+              </a:solidFill>
+            </a:endParaRPr>
+          </a:p>
+        </p:txBody>
+      </p:sp>
+      <p:sp>
+        <p:nvSpPr>
+          <p:cNvPr id="4" name="Title 3">
+            <a:extLst>
+              <a:ext uri="{FF2B5EF4-FFF2-40B4-BE49-F238E27FC236}">
+                <a16:creationId xmlns:a16="http://schemas.microsoft.com/office/drawing/2014/main" id="{5A94D355-54D5-477A-B00E-82C83B793B59}"/>
+              </a:ext>
+            </a:extLst>
+          </p:cNvPr>
+          <p:cNvSpPr>
+            <a:spLocks noGrp="1"/>
+          </p:cNvSpPr>
+          <p:nvPr>
+            <p:ph type="title"/>
+          </p:nvPr>
+        </p:nvSpPr>
+        <p:spPr/>
+        <p:txBody>
+          <a:bodyPr/>
+          <a:lstStyle/>
+          <a:p>
+            <a:r>
+              <a:rPr lang="en-US" dirty="0"/>
+              <a:t>SoftUni Judge</a:t>
+            </a:r>
+            <a:r>
+              <a:rPr lang="bg-BG" dirty="0"/>
+              <a:t>: състезания</a:t>
+            </a:r>
+            <a:endParaRPr lang="en-US" dirty="0"/>
+          </a:p>
+        </p:txBody>
+      </p:sp>
+      <p:pic>
+        <p:nvPicPr>
+          <p:cNvPr id="9" name="Picture 8">
+            <a:extLst>
+              <a:ext uri="{FF2B5EF4-FFF2-40B4-BE49-F238E27FC236}">
+                <a16:creationId xmlns:a16="http://schemas.microsoft.com/office/drawing/2014/main" id="{39067933-FBFF-4BBE-8C8C-A04977AC2976}"/>
+              </a:ext>
+            </a:extLst>
+          </p:cNvPr>
+          <p:cNvPicPr>
+            <a:picLocks noChangeAspect="1"/>
+          </p:cNvPicPr>
+          <p:nvPr/>
+        </p:nvPicPr>
+        <p:blipFill>
+          <a:blip r:embed="rId2"/>
+          <a:stretch>
+            <a:fillRect/>
+          </a:stretch>
+        </p:blipFill>
+        <p:spPr>
+          <a:xfrm>
+            <a:off x="5601652" y="2388741"/>
+            <a:ext cx="6117639" cy="3520440"/>
+          </a:xfrm>
+          <a:prstGeom prst="rect">
+            <a:avLst/>
+          </a:prstGeom>
+          <a:ln>
+            <a:solidFill>
+              <a:schemeClr val="bg2">
+                <a:lumMod val="60000"/>
+                <a:lumOff val="40000"/>
+              </a:schemeClr>
+            </a:solidFill>
+          </a:ln>
+        </p:spPr>
+      </p:pic>
+      <p:sp>
+        <p:nvSpPr>
+          <p:cNvPr id="10" name="Arrow: Right 9">
+            <a:extLst>
+              <a:ext uri="{FF2B5EF4-FFF2-40B4-BE49-F238E27FC236}">
+                <a16:creationId xmlns:a16="http://schemas.microsoft.com/office/drawing/2014/main" id="{0B9E27D9-544C-4D49-A182-8EA2BCF423FE}"/>
+              </a:ext>
+            </a:extLst>
+          </p:cNvPr>
+          <p:cNvSpPr/>
+          <p:nvPr/>
+        </p:nvSpPr>
+        <p:spPr>
+          <a:xfrm>
+            <a:off x="5144452" y="4021610"/>
+            <a:ext cx="343501" cy="254702"/>
+          </a:xfrm>
+          <a:prstGeom prst="rightArrow">
+            <a:avLst/>
+          </a:prstGeom>
+        </p:spPr>
+        <p:style>
+          <a:lnRef idx="2">
+            <a:schemeClr val="accent1">
+              <a:shade val="50000"/>
+            </a:schemeClr>
+          </a:lnRef>
+          <a:fillRef idx="1">
+            <a:schemeClr val="accent1"/>
+          </a:fillRef>
+          <a:effectRef idx="0">
+            <a:schemeClr val="accent1"/>
+          </a:effectRef>
+          <a:fontRef idx="minor">
+            <a:schemeClr val="lt1"/>
+          </a:fontRef>
+        </p:style>
+        <p:txBody>
+          <a:bodyPr rtlCol="0" anchor="ctr"/>
+          <a:lstStyle/>
+          <a:p>
+            <a:pPr algn="ctr"/>
+            <a:endParaRPr lang="en-US" sz="2800"/>
+          </a:p>
+        </p:txBody>
+      </p:sp>
+      <p:pic>
+        <p:nvPicPr>
+          <p:cNvPr id="6" name="Picture 5">
+            <a:extLst>
+              <a:ext uri="{FF2B5EF4-FFF2-40B4-BE49-F238E27FC236}">
+                <a16:creationId xmlns:a16="http://schemas.microsoft.com/office/drawing/2014/main" id="{F322771E-A59C-4331-BE07-1B8A1F67F200}"/>
+              </a:ext>
+            </a:extLst>
+          </p:cNvPr>
+          <p:cNvPicPr>
+            <a:picLocks noChangeAspect="1"/>
+          </p:cNvPicPr>
+          <p:nvPr/>
+        </p:nvPicPr>
+        <p:blipFill>
+          <a:blip r:embed="rId3"/>
+          <a:stretch>
+            <a:fillRect/>
+          </a:stretch>
+        </p:blipFill>
+        <p:spPr>
+          <a:xfrm>
+            <a:off x="519684" y="2388741"/>
+            <a:ext cx="4472368" cy="3520440"/>
+          </a:xfrm>
+          <a:prstGeom prst="rect">
+            <a:avLst/>
+          </a:prstGeom>
+          <a:ln>
+            <a:solidFill>
+              <a:schemeClr val="bg2">
+                <a:lumMod val="60000"/>
+                <a:lumOff val="40000"/>
+              </a:schemeClr>
+            </a:solidFill>
+          </a:ln>
+        </p:spPr>
+      </p:pic>
+    </p:spTree>
+    <p:extLst>
+      <p:ext uri="{BB962C8B-B14F-4D97-AF65-F5344CB8AC3E}">
+        <p14:creationId xmlns:p14="http://schemas.microsoft.com/office/powerpoint/2010/main" val="550612981"/>
+      </p:ext>
+    </p:extLst>
+  </p:cSld>
+  <p:clrMapOvr>
+    <a:masterClrMapping/>
+  </p:clrMapOvr>
+</p:sld>
+</file>
+
+<file path=ppt/slides/slide15.xml><?xml version="1.0" encoding="utf-8"?>
+<p:sld xmlns:a="http://schemas.openxmlformats.org/drawingml/2006/main" xmlns:r="http://schemas.openxmlformats.org/officeDocument/2006/relationships" xmlns:p="http://schemas.openxmlformats.org/presentationml/2006/main">
+  <p:cSld>
+    <p:spTree>
+      <p:nvGrpSpPr>
+        <p:cNvPr id="1" name=""/>
+        <p:cNvGrpSpPr/>
+        <p:nvPr/>
+      </p:nvGrpSpPr>
+      <p:grpSpPr>
+        <a:xfrm>
+          <a:off x="0" y="0"/>
+          <a:ext cx="0" cy="0"/>
+          <a:chOff x="0" y="0"/>
+          <a:chExt cx="0" cy="0"/>
+        </a:xfrm>
+      </p:grpSpPr>
+      <p:sp>
+        <p:nvSpPr>
+          <p:cNvPr id="2" name="Slide Number Placeholder 1">
+            <a:extLst>
+              <a:ext uri="{FF2B5EF4-FFF2-40B4-BE49-F238E27FC236}">
+                <a16:creationId xmlns:a16="http://schemas.microsoft.com/office/drawing/2014/main" id="{594CED2B-754E-426E-8A55-8FCA2C22FB19}"/>
+              </a:ext>
+            </a:extLst>
+          </p:cNvPr>
+          <p:cNvSpPr>
+            <a:spLocks noGrp="1"/>
+          </p:cNvSpPr>
+          <p:nvPr>
+            <p:ph type="sldNum" sz="quarter" idx="4"/>
+          </p:nvPr>
+        </p:nvSpPr>
+        <p:spPr/>
+        <p:txBody>
+          <a:bodyPr/>
+          <a:lstStyle/>
+          <a:p>
+            <a:fld id="{C014DD1E-5D91-48A3-AD6D-45FBA980D106}" type="slidenum">
+              <a:rPr lang="en-US" smtClean="0">
+                <a:solidFill>
+                  <a:prstClr val="white">
+                    <a:tint val="75000"/>
+                  </a:prstClr>
+                </a:solidFill>
+              </a:rPr>
+              <a:pPr/>
+              <a:t>15</a:t>
+            </a:fld>
+            <a:endParaRPr lang="en-US" dirty="0">
+              <a:solidFill>
+                <a:prstClr val="white">
+                  <a:tint val="75000"/>
+                </a:prstClr>
+              </a:solidFill>
+            </a:endParaRPr>
+          </a:p>
+        </p:txBody>
+      </p:sp>
+      <p:sp>
+        <p:nvSpPr>
+          <p:cNvPr id="3" name="Content Placeholder 2">
+            <a:extLst>
+              <a:ext uri="{FF2B5EF4-FFF2-40B4-BE49-F238E27FC236}">
+                <a16:creationId xmlns:a16="http://schemas.microsoft.com/office/drawing/2014/main" id="{B7640DC8-2D19-464D-9852-787CBA43FA7A}"/>
+              </a:ext>
+            </a:extLst>
+          </p:cNvPr>
+          <p:cNvSpPr>
+            <a:spLocks noGrp="1"/>
+          </p:cNvSpPr>
+          <p:nvPr>
+            <p:ph idx="1"/>
+          </p:nvPr>
+        </p:nvSpPr>
+        <p:spPr>
+          <a:xfrm>
+            <a:off x="190413" y="1066800"/>
+            <a:ext cx="11804822" cy="5570355"/>
+          </a:xfrm>
+        </p:spPr>
+        <p:txBody>
+          <a:bodyPr/>
+          <a:lstStyle/>
+          <a:p>
+            <a:r>
+              <a:rPr lang="bg-BG" dirty="0"/>
+              <a:t>Влезте в състезанието от днешния урок и изпратете кода си:</a:t>
+            </a:r>
+            <a:endParaRPr lang="en-US" b="1" dirty="0">
+              <a:solidFill>
+                <a:srgbClr val="FFA72A"/>
+              </a:solidFill>
+            </a:endParaRPr>
+          </a:p>
+        </p:txBody>
+      </p:sp>
+      <p:sp>
+        <p:nvSpPr>
+          <p:cNvPr id="4" name="Title 3">
+            <a:extLst>
+              <a:ext uri="{FF2B5EF4-FFF2-40B4-BE49-F238E27FC236}">
+                <a16:creationId xmlns:a16="http://schemas.microsoft.com/office/drawing/2014/main" id="{5A94D355-54D5-477A-B00E-82C83B793B59}"/>
+              </a:ext>
+            </a:extLst>
+          </p:cNvPr>
+          <p:cNvSpPr>
+            <a:spLocks noGrp="1"/>
+          </p:cNvSpPr>
+          <p:nvPr>
+            <p:ph type="title"/>
+          </p:nvPr>
+        </p:nvSpPr>
+        <p:spPr/>
+        <p:txBody>
+          <a:bodyPr/>
+          <a:lstStyle/>
+          <a:p>
+            <a:r>
+              <a:rPr lang="en-US" dirty="0"/>
+              <a:t>SoftUni Judge</a:t>
+            </a:r>
+            <a:r>
+              <a:rPr lang="bg-BG" dirty="0"/>
+              <a:t>: изпращане на решение</a:t>
+            </a:r>
+            <a:endParaRPr lang="en-US" dirty="0"/>
+          </a:p>
+        </p:txBody>
+      </p:sp>
+      <p:pic>
+        <p:nvPicPr>
+          <p:cNvPr id="8" name="Picture 7">
+            <a:extLst>
+              <a:ext uri="{FF2B5EF4-FFF2-40B4-BE49-F238E27FC236}">
+                <a16:creationId xmlns:a16="http://schemas.microsoft.com/office/drawing/2014/main" id="{A2BB6343-4A85-44F0-BC38-CB9D3F5F461B}"/>
+              </a:ext>
+            </a:extLst>
+          </p:cNvPr>
+          <p:cNvPicPr>
+            <a:picLocks noChangeAspect="1"/>
+          </p:cNvPicPr>
+          <p:nvPr/>
+        </p:nvPicPr>
+        <p:blipFill>
+          <a:blip r:embed="rId2"/>
+          <a:stretch>
+            <a:fillRect/>
+          </a:stretch>
+        </p:blipFill>
+        <p:spPr>
+          <a:xfrm>
+            <a:off x="379412" y="1869063"/>
+            <a:ext cx="5029200" cy="4655940"/>
+          </a:xfrm>
+          <a:prstGeom prst="rect">
+            <a:avLst/>
+          </a:prstGeom>
+          <a:ln>
+            <a:solidFill>
+              <a:schemeClr val="bg2">
+                <a:lumMod val="60000"/>
+                <a:lumOff val="40000"/>
+              </a:schemeClr>
+            </a:solidFill>
+          </a:ln>
+        </p:spPr>
+      </p:pic>
+      <p:pic>
+        <p:nvPicPr>
+          <p:cNvPr id="11" name="Picture 10">
+            <a:extLst>
+              <a:ext uri="{FF2B5EF4-FFF2-40B4-BE49-F238E27FC236}">
+                <a16:creationId xmlns:a16="http://schemas.microsoft.com/office/drawing/2014/main" id="{17AD901B-2487-4A1E-9DDB-F91046410D67}"/>
+              </a:ext>
+            </a:extLst>
+          </p:cNvPr>
+          <p:cNvPicPr>
+            <a:picLocks noChangeAspect="1"/>
+          </p:cNvPicPr>
+          <p:nvPr/>
+        </p:nvPicPr>
+        <p:blipFill>
+          <a:blip r:embed="rId3"/>
+          <a:stretch>
+            <a:fillRect/>
+          </a:stretch>
+        </p:blipFill>
+        <p:spPr>
+          <a:xfrm>
+            <a:off x="3511789" y="3129356"/>
+            <a:ext cx="8054623" cy="2585644"/>
+          </a:xfrm>
+          <a:prstGeom prst="rect">
+            <a:avLst/>
+          </a:prstGeom>
+          <a:ln>
+            <a:solidFill>
+              <a:schemeClr val="bg2">
+                <a:lumMod val="60000"/>
+                <a:lumOff val="40000"/>
+              </a:schemeClr>
+            </a:solidFill>
+          </a:ln>
+        </p:spPr>
+      </p:pic>
+    </p:spTree>
+    <p:extLst>
+      <p:ext uri="{BB962C8B-B14F-4D97-AF65-F5344CB8AC3E}">
+        <p14:creationId xmlns:p14="http://schemas.microsoft.com/office/powerpoint/2010/main" val="1623361370"/>
+      </p:ext>
+    </p:extLst>
+  </p:cSld>
+  <p:clrMapOvr>
+    <a:masterClrMapping/>
+  </p:clrMapOvr>
+  <p:timing>
+    <p:tnLst>
+      <p:par>
+        <p:cTn id="1" dur="indefinite" restart="never" nodeType="tmRoot">
+          <p:childTnLst>
+            <p:seq concurrent="1" nextAc="seek">
+              <p:cTn id="2" dur="indefinite" nodeType="mainSeq">
+                <p:childTnLst>
+                  <p:par>
+                    <p:cTn id="3" fill="hold">
+                      <p:stCondLst>
+                        <p:cond delay="indefinite"/>
+                      </p:stCondLst>
+                      <p:childTnLst>
+                        <p:par>
+                          <p:cTn id="4" fill="hold">
+                            <p:stCondLst>
+                              <p:cond delay="0"/>
+                            </p:stCondLst>
+                            <p:childTnLst>
+                              <p:par>
+                                <p:cTn id="5" presetID="1" presetClass="entr" presetSubtype="0" fill="hold" nodeType="clickEffect">
+                                  <p:stCondLst>
+                                    <p:cond delay="0"/>
+                                  </p:stCondLst>
+                                  <p:childTnLst>
+                                    <p:set>
+                                      <p:cBhvr>
+                                        <p:cTn id="6" dur="1" fill="hold">
+                                          <p:stCondLst>
+                                            <p:cond delay="0"/>
+                                          </p:stCondLst>
+                                        </p:cTn>
+                                        <p:tgtEl>
+                                          <p:spTgt spid="11"/>
+                                        </p:tgtEl>
+                                        <p:attrNameLst>
+                                          <p:attrName>style.visibility</p:attrName>
+                                        </p:attrNameLst>
+                                      </p:cBhvr>
+                                      <p:to>
+                                        <p:strVal val="visible"/>
+                                      </p:to>
+                                    </p:set>
+                                  </p:childTnLst>
+                                </p:cTn>
+                              </p:par>
+                            </p:childTnLst>
+                          </p:cTn>
+                        </p:par>
+                      </p:childTnLst>
+                    </p:cTn>
+                  </p:par>
+                </p:childTnLst>
+              </p:cTn>
+              <p:prevCondLst>
+                <p:cond evt="onPrev" delay="0">
+                  <p:tgtEl>
+                    <p:sldTgt/>
+                  </p:tgtEl>
+                </p:cond>
+              </p:prevCondLst>
+              <p:nextCondLst>
+                <p:cond evt="onNext" delay="0">
+                  <p:tgtEl>
+                    <p:sldTgt/>
+                  </p:tgtEl>
+                </p:cond>
+              </p:nextCondLst>
+            </p:seq>
+          </p:childTnLst>
+        </p:cTn>
+      </p:par>
+    </p:tnLst>
+  </p:timing>
+</p:sld>
+</file>
+
+<file path=ppt/slides/slide16.xml><?xml version="1.0" encoding="utf-8"?>
+<p:sld xmlns:a="http://schemas.openxmlformats.org/drawingml/2006/main" xmlns:r="http://schemas.openxmlformats.org/officeDocument/2006/relationships" xmlns:p="http://schemas.openxmlformats.org/presentationml/2006/main">
+  <p:cSld>
+    <p:spTree>
+      <p:nvGrpSpPr>
+        <p:cNvPr id="1" name=""/>
+        <p:cNvGrpSpPr/>
+        <p:nvPr/>
+      </p:nvGrpSpPr>
+      <p:grpSpPr>
+        <a:xfrm>
+          <a:off x="0" y="0"/>
+          <a:ext cx="0" cy="0"/>
+          <a:chOff x="0" y="0"/>
+          <a:chExt cx="0" cy="0"/>
+        </a:xfrm>
+      </p:grpSpPr>
+      <p:sp>
+        <p:nvSpPr>
+          <p:cNvPr id="2" name="Title 1"/>
+          <p:cNvSpPr>
+            <a:spLocks noGrp="1"/>
+          </p:cNvSpPr>
+          <p:nvPr>
+            <p:ph type="title"/>
+          </p:nvPr>
+        </p:nvSpPr>
+        <p:spPr/>
+        <p:txBody>
+          <a:bodyPr/>
+          <a:lstStyle/>
+          <a:p>
+            <a:r>
               <a:rPr lang="bg-BG" dirty="0"/>
               <a:t>Конзолни програмки със </a:t>
             </a:r>
@@ -5352,7 +6776,7 @@
                 </a:solidFill>
               </a:rPr>
               <a:pPr/>
-              <a:t>11</a:t>
+              <a:t>16</a:t>
             </a:fld>
             <a:endParaRPr lang="en-US" dirty="0">
               <a:solidFill>
@@ -5367,7 +6791,7 @@
     </p:spTree>
     <p:extLst>
       <p:ext uri="{BB962C8B-B14F-4D97-AF65-F5344CB8AC3E}">
-        <p14:creationId xmlns:p14="http://schemas.microsoft.com/office/powerpoint/2010/main" val="1274625882"/>
+        <p14:creationId xmlns:p14="http://schemas.microsoft.com/office/powerpoint/2010/main" val="2092580692"/>
       </p:ext>
     </p:extLst>
   </p:cSld>
@@ -5377,7 +6801,7 @@
 </p:sld>
 </file>
 
-<file path=ppt/slides/slide12.xml><?xml version="1.0" encoding="utf-8"?>
+<file path=ppt/slides/slide17.xml><?xml version="1.0" encoding="utf-8"?>
 <p:sld xmlns:a="http://schemas.openxmlformats.org/drawingml/2006/main" xmlns:r="http://schemas.openxmlformats.org/officeDocument/2006/relationships" xmlns:p="http://schemas.openxmlformats.org/presentationml/2006/main">
   <p:cSld>
     <p:spTree>
@@ -5966,7 +7390,7 @@
                 </a:solidFill>
               </a:rPr>
               <a:pPr/>
-              <a:t>12</a:t>
+              <a:t>17</a:t>
             </a:fld>
             <a:endParaRPr lang="en-US" dirty="0">
               <a:solidFill>
@@ -6149,7 +7573,7 @@
 </p:sld>
 </file>
 
-<file path=ppt/slides/slide13.xml><?xml version="1.0" encoding="utf-8"?>
+<file path=ppt/slides/slide18.xml><?xml version="1.0" encoding="utf-8"?>
 <p:sld xmlns:a="http://schemas.openxmlformats.org/drawingml/2006/main" xmlns:r="http://schemas.openxmlformats.org/officeDocument/2006/relationships" xmlns:p="http://schemas.openxmlformats.org/presentationml/2006/main">
   <p:cSld>
     <p:spTree>
@@ -6334,7 +7758,7 @@
 </p:sld>
 </file>
 
-<file path=ppt/slides/slide14.xml><?xml version="1.0" encoding="utf-8"?>
+<file path=ppt/slides/slide19.xml><?xml version="1.0" encoding="utf-8"?>
 <p:sld xmlns:a="http://schemas.openxmlformats.org/drawingml/2006/main" xmlns:r="http://schemas.openxmlformats.org/officeDocument/2006/relationships" xmlns:p="http://schemas.openxmlformats.org/presentationml/2006/main">
   <p:cSld>
     <p:spTree>
@@ -6785,7 +8209,7 @@
                 </a:solidFill>
               </a:rPr>
               <a:pPr/>
-              <a:t>14</a:t>
+              <a:t>19</a:t>
             </a:fld>
             <a:endParaRPr lang="en-US" dirty="0">
               <a:solidFill>

--- a/Courses/Applied-Programmer/Programming-Basics/01-Въведение-в-програмирането/02.Първа-конзолна-програма.pptx
+++ b/Courses/Applied-Programmer/Programming-Basics/01-Въведение-в-програмирането/02.Първа-конзолна-програма.pptx
@@ -6381,7 +6381,7 @@
         </p:blipFill>
         <p:spPr>
           <a:xfrm>
-            <a:off x="3511789" y="3129356"/>
+            <a:off x="3511789" y="3130908"/>
             <a:ext cx="8054623" cy="2585644"/>
           </a:xfrm>
           <a:prstGeom prst="rect">
@@ -6397,6 +6397,63 @@
           </a:ln>
         </p:spPr>
       </p:pic>
+      <p:sp>
+        <p:nvSpPr>
+          <p:cNvPr id="7" name="Текстово поле 5">
+            <a:extLst>
+              <a:ext uri="{FF2B5EF4-FFF2-40B4-BE49-F238E27FC236}">
+                <a16:creationId xmlns:a16="http://schemas.microsoft.com/office/drawing/2014/main" id="{0D46DF75-BA3B-4557-A3B6-025E8DEF6EDF}"/>
+              </a:ext>
+            </a:extLst>
+          </p:cNvPr>
+          <p:cNvSpPr txBox="1"/>
+          <p:nvPr/>
+        </p:nvSpPr>
+        <p:spPr>
+          <a:xfrm>
+            <a:off x="5713412" y="1988403"/>
+            <a:ext cx="5638800" cy="830997"/>
+          </a:xfrm>
+          <a:prstGeom prst="rect">
+            <a:avLst/>
+          </a:prstGeom>
+          <a:noFill/>
+        </p:spPr>
+        <p:txBody>
+          <a:bodyPr wrap="square" rtlCol="0">
+            <a:spAutoFit/>
+          </a:bodyPr>
+          <a:lstStyle/>
+          <a:p>
+            <a:r>
+              <a:rPr lang="bg-BG" dirty="0"/>
+              <a:t>Линк към </a:t>
+            </a:r>
+            <a:r>
+              <a:rPr lang="en-US" dirty="0"/>
+              <a:t>Judge</a:t>
+            </a:r>
+            <a:r>
+              <a:rPr lang="bg-BG" dirty="0"/>
+              <a:t> за днешния урок</a:t>
+            </a:r>
+            <a:r>
+              <a:rPr lang="en-US" dirty="0"/>
+              <a:t>: </a:t>
+            </a:r>
+            <a:r>
+              <a:rPr lang="en-US" b="0" i="0" u="sng" strike="noStrike" baseline="0" dirty="0">
+                <a:solidFill>
+                  <a:srgbClr val="0563C1"/>
+                </a:solidFill>
+                <a:hlinkClick r:id="rId4"/>
+              </a:rPr>
+              <a:t>https://judge.softuni.bg/Contests/2629/</a:t>
+            </a:r>
+            <a:endParaRPr lang="en-US" sz="2800" dirty="0"/>
+          </a:p>
+        </p:txBody>
+      </p:sp>
     </p:spTree>
     <p:extLst>
       <p:ext uri="{BB962C8B-B14F-4D97-AF65-F5344CB8AC3E}">
@@ -11129,7 +11186,7 @@
         <p:spPr>
           <a:xfrm>
             <a:off x="436878" y="6092570"/>
-            <a:ext cx="11025985" cy="892552"/>
+            <a:ext cx="11025985" cy="461665"/>
           </a:xfrm>
           <a:prstGeom prst="rect">
             <a:avLst/>
@@ -11168,14 +11225,6 @@
               </a:rPr>
               <a:t>Първа-конзолна-програма</a:t>
             </a:r>
-            <a:endParaRPr lang="en-US" b="0" i="0" u="none" strike="noStrike" baseline="0" dirty="0">
-              <a:solidFill>
-                <a:srgbClr val="0563C1"/>
-              </a:solidFill>
-              <a:hlinkClick r:id="rId3"/>
-            </a:endParaRPr>
-          </a:p>
-          <a:p>
             <a:endParaRPr lang="en-US" sz="2800" dirty="0"/>
           </a:p>
         </p:txBody>
